--- a/01_Oracle SQL/01-01__SQL recap.pptx
+++ b/01_Oracle SQL/01-01__SQL recap.pptx
@@ -14,14 +14,17 @@
     <p:sldId id="331" r:id="rId8"/>
     <p:sldId id="349" r:id="rId9"/>
     <p:sldId id="335" r:id="rId10"/>
-    <p:sldId id="336" r:id="rId11"/>
-    <p:sldId id="342" r:id="rId12"/>
-    <p:sldId id="344" r:id="rId13"/>
-    <p:sldId id="345" r:id="rId14"/>
-    <p:sldId id="346" r:id="rId15"/>
-    <p:sldId id="347" r:id="rId16"/>
-    <p:sldId id="348" r:id="rId17"/>
-    <p:sldId id="343" r:id="rId18"/>
+    <p:sldId id="355" r:id="rId11"/>
+    <p:sldId id="354" r:id="rId12"/>
+    <p:sldId id="336" r:id="rId13"/>
+    <p:sldId id="342" r:id="rId14"/>
+    <p:sldId id="344" r:id="rId15"/>
+    <p:sldId id="345" r:id="rId16"/>
+    <p:sldId id="346" r:id="rId17"/>
+    <p:sldId id="347" r:id="rId18"/>
+    <p:sldId id="348" r:id="rId19"/>
+    <p:sldId id="343" r:id="rId20"/>
+    <p:sldId id="356" r:id="rId21"/>
   </p:sldIdLst>
   <p:sldSz cx="9144000" cy="6858000" type="screen4x3"/>
   <p:notesSz cx="6858000" cy="9144000"/>
@@ -5053,7 +5056,7 @@
         </p:spPr>
         <p:txBody>
           <a:bodyPr anchor="ctr">
-            <a:normAutofit/>
+            <a:normAutofit fontScale="90000"/>
           </a:bodyPr>
           <a:lstStyle/>
           <a:p>
@@ -5064,7 +5067,7 @@
                 <a:ea typeface="Arial Unicode MS" panose="020B0604020202020204" pitchFamily="34" charset="-128"/>
                 <a:cs typeface="Arial Unicode MS" panose="020B0604020202020204" pitchFamily="34" charset="-128"/>
               </a:rPr>
-              <a:t>SQL Queries recap </a:t>
+              <a:t>Main text (in Romanian) on Oracle DB Server and Oracle SQL (cont.)</a:t>
             </a:r>
           </a:p>
         </p:txBody>
@@ -5081,90 +5084,132 @@
         </p:nvSpPr>
         <p:spPr>
           <a:xfrm>
-            <a:off x="631874" y="1219200"/>
-            <a:ext cx="8534400" cy="5486400"/>
+            <a:off x="587326" y="1219200"/>
+            <a:ext cx="8709074" cy="5638800"/>
           </a:xfrm>
         </p:spPr>
         <p:txBody>
           <a:bodyPr>
-            <a:normAutofit/>
+            <a:normAutofit fontScale="47500" lnSpcReduction="20000"/>
           </a:bodyPr>
           <a:lstStyle/>
           <a:p>
             <a:r>
-              <a:rPr lang="en-US" sz="3000" dirty="0"/>
-              <a:t>SELECT basics</a:t>
-            </a:r>
-            <a:endParaRPr lang="en-US" sz="3000" b="1" dirty="0"/>
-          </a:p>
-          <a:p>
-            <a:pPr lvl="1"/>
-            <a:r>
-              <a:rPr lang="en-US" sz="2600" dirty="0"/>
-              <a:t>SELECT, FROM, WHERE</a:t>
-            </a:r>
-          </a:p>
-          <a:p>
-            <a:pPr lvl="1"/>
-            <a:r>
-              <a:rPr lang="en-US" sz="2600" dirty="0"/>
-              <a:t>Internal joins (INNER JOIN)</a:t>
-            </a:r>
-          </a:p>
-          <a:p>
-            <a:pPr lvl="1"/>
-            <a:r>
-              <a:rPr lang="en-US" sz="2600" dirty="0"/>
-              <a:t>Numeric, string, date, time, timestap and other functions</a:t>
-            </a:r>
-          </a:p>
-          <a:p>
-            <a:pPr lvl="1"/>
-            <a:r>
-              <a:rPr lang="en-US" sz="2600" dirty="0"/>
-              <a:t>Groups and aggregates: GROUP BY, HAVING</a:t>
-            </a:r>
-          </a:p>
-          <a:p>
-            <a:r>
-              <a:rPr lang="en-US" sz="3000" dirty="0"/>
-              <a:t>Intermediate SELECT</a:t>
-            </a:r>
-          </a:p>
-          <a:p>
-            <a:pPr lvl="1"/>
-            <a:r>
-              <a:rPr lang="en-US" sz="2600" dirty="0"/>
-              <a:t>NULL values</a:t>
-            </a:r>
-          </a:p>
-          <a:p>
-            <a:pPr lvl="1"/>
-            <a:r>
-              <a:rPr lang="en-US" sz="2600" dirty="0"/>
-              <a:t>CASE structures</a:t>
-            </a:r>
-          </a:p>
-          <a:p>
-            <a:pPr lvl="1"/>
-            <a:r>
-              <a:rPr lang="en-US" sz="2600" dirty="0"/>
-              <a:t>External joins (OUTER JOIN)</a:t>
-            </a:r>
-          </a:p>
-          <a:p>
-            <a:pPr lvl="1"/>
-            <a:r>
-              <a:rPr lang="en-US" sz="2600" dirty="0"/>
-              <a:t>Subqueries in WHERE and HAVING clauses</a:t>
-            </a:r>
+              <a:rPr lang="en-US" sz="3000" dirty="0">
+                <a:latin typeface="Avenir Medium" panose="02000503020000020003" pitchFamily="2" charset="0"/>
+                <a:hlinkClick r:id="rId2"/>
+              </a:rPr>
+              <a:t>https://github.com/marinfotache/Baze-de-date-I/blob/master/SQL.%20Dialecte%20DB2-%20Oracle-%20PostgreSQL%20si%20SQL%20Server/SQL2009_Cap08_SELECT(4)_NULLi_Jonctiuni_externe_CASE.pdf</a:t>
+            </a:r>
+            <a:endParaRPr lang="en-US" sz="3000" dirty="0">
+              <a:latin typeface="Avenir Medium" panose="02000503020000020003" pitchFamily="2" charset="0"/>
+            </a:endParaRPr>
+          </a:p>
+          <a:p>
+            <a:r>
+              <a:rPr lang="en-US" sz="3000" dirty="0">
+                <a:latin typeface="Avenir Medium" panose="02000503020000020003" pitchFamily="2" charset="0"/>
+                <a:hlinkClick r:id="rId3"/>
+              </a:rPr>
+              <a:t>https://github.com/marinfotache/Baze-de-date-I/blob/master/SQL.%20Dialecte%20DB2-%20Oracle-%20PostgreSQL%20si%20SQL%20Server/SQL2009_Cap09_SELECT(5)_Subconsultari.pdf</a:t>
+            </a:r>
+            <a:endParaRPr lang="en-US" sz="3000" dirty="0">
+              <a:latin typeface="Avenir Medium" panose="02000503020000020003" pitchFamily="2" charset="0"/>
+            </a:endParaRPr>
+          </a:p>
+          <a:p>
+            <a:r>
+              <a:rPr lang="en-US" sz="3000" dirty="0">
+                <a:latin typeface="Avenir Medium" panose="02000503020000020003" pitchFamily="2" charset="0"/>
+                <a:hlinkClick r:id="rId4"/>
+              </a:rPr>
+              <a:t>https://github.com/marinfotache/Baze-de-date-I/blob/master/SQL.%20Dialecte%20DB2-%20Oracle-%20PostgreSQL%20si%20SQL%20Server/SQL2009_Cap05_SELECT(1)_Sintaxa.pdf</a:t>
+            </a:r>
+            <a:endParaRPr lang="en-US" sz="3000" dirty="0">
+              <a:latin typeface="Avenir Medium" panose="02000503020000020003" pitchFamily="2" charset="0"/>
+            </a:endParaRPr>
+          </a:p>
+          <a:p>
+            <a:r>
+              <a:rPr lang="en-US" sz="3000" dirty="0">
+                <a:latin typeface="Avenir Medium" panose="02000503020000020003" pitchFamily="2" charset="0"/>
+                <a:hlinkClick r:id="rId5"/>
+              </a:rPr>
+              <a:t>https://github.com/marinfotache/Database-Logic-in-Business-Applications/blob/master/Oracle%209i2.%20Ghidul%20dezvoltarii%20aplicatiilor%202003/Cap07_SQL2/Oracle_Cap07_SQL2.pdf</a:t>
+            </a:r>
+            <a:endParaRPr lang="en-US" sz="3000" dirty="0">
+              <a:latin typeface="Avenir Medium" panose="02000503020000020003" pitchFamily="2" charset="0"/>
+            </a:endParaRPr>
+          </a:p>
+          <a:p>
+            <a:r>
+              <a:rPr lang="en-US" sz="3000" dirty="0">
+                <a:latin typeface="Avenir Medium" panose="02000503020000020003" pitchFamily="2" charset="0"/>
+                <a:hlinkClick r:id="rId6"/>
+              </a:rPr>
+              <a:t>https://github.com/marinfotache/Baze-de-date-I/blob/master/SQL.%20Dialecte%20DB2-%20Oracle-%20PostgreSQL%20si%20SQL%20Server/SQL2009_Cap10_SELECT(6)_Subconsultari_corelate.pdf</a:t>
+            </a:r>
+            <a:endParaRPr lang="en-US" sz="3000" dirty="0">
+              <a:latin typeface="Avenir Medium" panose="02000503020000020003" pitchFamily="2" charset="0"/>
+            </a:endParaRPr>
+          </a:p>
+          <a:p>
+            <a:r>
+              <a:rPr lang="en-US" sz="3000" dirty="0">
+                <a:latin typeface="Avenir Medium" panose="02000503020000020003" pitchFamily="2" charset="0"/>
+                <a:hlinkClick r:id="rId7"/>
+              </a:rPr>
+              <a:t>https://github.com/marinfotache/Baze-de-date-I/blob/master/SQL.%20Dialecte%20DB2-%20Oracle-%20PostgreSQL%20si%20SQL%20Server/SQL2009_Cap11_SELECT(7)_OLAP.pdf</a:t>
+            </a:r>
+            <a:endParaRPr lang="en-US" sz="3000" dirty="0">
+              <a:latin typeface="Avenir Medium" panose="02000503020000020003" pitchFamily="2" charset="0"/>
+            </a:endParaRPr>
+          </a:p>
+          <a:p>
+            <a:r>
+              <a:rPr lang="en-US" sz="3000" dirty="0">
+                <a:latin typeface="Avenir Medium" panose="02000503020000020003" pitchFamily="2" charset="0"/>
+                <a:hlinkClick r:id="rId8"/>
+              </a:rPr>
+              <a:t>https://github.com/marinfotache/Baze-de-date-I/blob/master/SQL.%20Dialecte%20DB2-%20Oracle-%20PostgreSQL%20si%20SQL%20Server/SQL2009_Cap12_SELECT(8)_Ierarhii.pdf</a:t>
+            </a:r>
+            <a:r>
+              <a:rPr lang="en-US" sz="3000" dirty="0">
+                <a:latin typeface="Avenir Medium" panose="02000503020000020003" pitchFamily="2" charset="0"/>
+              </a:rPr>
+              <a:t> (sections 12.1, 12.2, 12,6)</a:t>
+            </a:r>
+          </a:p>
+          <a:p>
+            <a:endParaRPr lang="en-US" sz="3000" dirty="0">
+              <a:latin typeface="Avenir Medium" panose="02000503020000020003" pitchFamily="2" charset="0"/>
+            </a:endParaRPr>
+          </a:p>
+          <a:p>
+            <a:endParaRPr lang="en-US" sz="3000" dirty="0">
+              <a:latin typeface="Avenir Medium" panose="02000503020000020003" pitchFamily="2" charset="0"/>
+            </a:endParaRPr>
+          </a:p>
+          <a:p>
+            <a:endParaRPr lang="en-US" sz="3000" dirty="0">
+              <a:latin typeface="Avenir Medium" panose="02000503020000020003" pitchFamily="2" charset="0"/>
+            </a:endParaRPr>
+          </a:p>
+          <a:p>
+            <a:endParaRPr lang="en-US" sz="3000" dirty="0"/>
+          </a:p>
+          <a:p>
+            <a:endParaRPr lang="en-US" sz="3000" dirty="0"/>
+          </a:p>
+          <a:p>
+            <a:endParaRPr lang="en-US" sz="3000" dirty="0"/>
           </a:p>
         </p:txBody>
       </p:sp>
     </p:spTree>
     <p:extLst>
       <p:ext uri="{BB962C8B-B14F-4D97-AF65-F5344CB8AC3E}">
-        <p14:creationId xmlns:p14="http://schemas.microsoft.com/office/powerpoint/2010/main" val="2309541380"/>
+        <p14:creationId xmlns:p14="http://schemas.microsoft.com/office/powerpoint/2010/main" val="553481296"/>
       </p:ext>
     </p:extLst>
   </p:cSld>
@@ -5223,6 +5268,339 @@
                 <a:ea typeface="Arial Unicode MS" panose="020B0604020202020204" pitchFamily="34" charset="-128"/>
                 <a:cs typeface="Arial Unicode MS" panose="020B0604020202020204" pitchFamily="34" charset="-128"/>
               </a:rPr>
+              <a:t>SQL recap (see </a:t>
+            </a:r>
+            <a:r>
+              <a:rPr lang="en-US" sz="3600" b="1" i="1" dirty="0">
+                <a:latin typeface="Arial Unicode MS" panose="020B0604020202020204" pitchFamily="34" charset="-128"/>
+                <a:ea typeface="Arial Unicode MS" panose="020B0604020202020204" pitchFamily="34" charset="-128"/>
+                <a:cs typeface="Arial Unicode MS" panose="020B0604020202020204" pitchFamily="34" charset="-128"/>
+              </a:rPr>
+              <a:t>Baze de date</a:t>
+            </a:r>
+            <a:r>
+              <a:rPr lang="en-US" sz="3600" b="1" dirty="0">
+                <a:latin typeface="Arial Unicode MS" panose="020B0604020202020204" pitchFamily="34" charset="-128"/>
+                <a:ea typeface="Arial Unicode MS" panose="020B0604020202020204" pitchFamily="34" charset="-128"/>
+                <a:cs typeface="Arial Unicode MS" panose="020B0604020202020204" pitchFamily="34" charset="-128"/>
+              </a:rPr>
+              <a:t> page)</a:t>
+            </a:r>
+          </a:p>
+        </p:txBody>
+      </p:sp>
+      <p:sp>
+        <p:nvSpPr>
+          <p:cNvPr id="3" name="Text Placeholder 2"/>
+          <p:cNvSpPr>
+            <a:spLocks noGrp="1"/>
+          </p:cNvSpPr>
+          <p:nvPr>
+            <p:ph type="body" sz="half" idx="1"/>
+          </p:nvPr>
+        </p:nvSpPr>
+        <p:spPr>
+          <a:xfrm>
+            <a:off x="587326" y="1219200"/>
+            <a:ext cx="8709074" cy="5638800"/>
+          </a:xfrm>
+        </p:spPr>
+        <p:txBody>
+          <a:bodyPr>
+            <a:normAutofit/>
+          </a:bodyPr>
+          <a:lstStyle/>
+          <a:p>
+            <a:r>
+              <a:rPr lang="en-US" sz="3000" dirty="0"/>
+              <a:t>Database concepts</a:t>
+            </a:r>
+          </a:p>
+          <a:p>
+            <a:pPr lvl="1"/>
+            <a:r>
+              <a:rPr lang="en-US" sz="2600" dirty="0"/>
+              <a:t>Structure</a:t>
+            </a:r>
+          </a:p>
+          <a:p>
+            <a:pPr lvl="1"/>
+            <a:r>
+              <a:rPr lang="en-US" sz="2600" dirty="0"/>
+              <a:t>Constraints</a:t>
+            </a:r>
+          </a:p>
+          <a:p>
+            <a:pPr lvl="1"/>
+            <a:r>
+              <a:rPr lang="en-US" sz="2600" dirty="0"/>
+              <a:t>Manipulation</a:t>
+            </a:r>
+          </a:p>
+          <a:p>
+            <a:r>
+              <a:rPr lang="en-US" sz="3400" dirty="0"/>
+              <a:t>SQL</a:t>
+            </a:r>
+          </a:p>
+          <a:p>
+            <a:pPr lvl="1"/>
+            <a:r>
+              <a:rPr lang="en-US" sz="3000" dirty="0"/>
+              <a:t>DDL (Data Definition Language)</a:t>
+            </a:r>
+          </a:p>
+          <a:p>
+            <a:pPr lvl="2"/>
+            <a:r>
+              <a:rPr lang="en-US" sz="2600" dirty="0"/>
+              <a:t>{ CREATE | ALTER | DROP } TABLE </a:t>
+            </a:r>
+          </a:p>
+          <a:p>
+            <a:pPr lvl="1"/>
+            <a:r>
+              <a:rPr lang="en-US" sz="3000" dirty="0"/>
+              <a:t>DML</a:t>
+            </a:r>
+          </a:p>
+          <a:p>
+            <a:pPr lvl="1"/>
+            <a:r>
+              <a:rPr lang="en-US" sz="3000" dirty="0"/>
+              <a:t>INSERT, UPDATE, DELETE</a:t>
+            </a:r>
+          </a:p>
+          <a:p>
+            <a:pPr lvl="1"/>
+            <a:r>
+              <a:rPr lang="en-US" sz="3000" dirty="0"/>
+              <a:t>SELECT</a:t>
+            </a:r>
+          </a:p>
+        </p:txBody>
+      </p:sp>
+    </p:spTree>
+    <p:extLst>
+      <p:ext uri="{BB962C8B-B14F-4D97-AF65-F5344CB8AC3E}">
+        <p14:creationId xmlns:p14="http://schemas.microsoft.com/office/powerpoint/2010/main" val="3846885098"/>
+      </p:ext>
+    </p:extLst>
+  </p:cSld>
+  <p:clrMapOvr>
+    <a:masterClrMapping/>
+  </p:clrMapOvr>
+  <p:transition>
+    <p:random/>
+  </p:transition>
+</p:sld>
+</file>
+
+<file path=ppt/slides/slide12.xml><?xml version="1.0" encoding="utf-8"?>
+<p:sld xmlns:a="http://schemas.openxmlformats.org/drawingml/2006/main" xmlns:r="http://schemas.openxmlformats.org/officeDocument/2006/relationships" xmlns:p="http://schemas.openxmlformats.org/presentationml/2006/main">
+  <p:cSld>
+    <p:spTree>
+      <p:nvGrpSpPr>
+        <p:cNvPr id="1" name=""/>
+        <p:cNvGrpSpPr/>
+        <p:nvPr/>
+      </p:nvGrpSpPr>
+      <p:grpSpPr>
+        <a:xfrm>
+          <a:off x="0" y="0"/>
+          <a:ext cx="0" cy="0"/>
+          <a:chOff x="0" y="0"/>
+          <a:chExt cx="0" cy="0"/>
+        </a:xfrm>
+      </p:grpSpPr>
+      <p:sp>
+        <p:nvSpPr>
+          <p:cNvPr id="2" name="Title 1"/>
+          <p:cNvSpPr>
+            <a:spLocks noGrp="1"/>
+          </p:cNvSpPr>
+          <p:nvPr>
+            <p:ph type="title"/>
+          </p:nvPr>
+        </p:nvSpPr>
+        <p:spPr>
+          <a:xfrm>
+            <a:off x="304800" y="76200"/>
+            <a:ext cx="8686800" cy="1143000"/>
+          </a:xfrm>
+        </p:spPr>
+        <p:txBody>
+          <a:bodyPr anchor="ctr">
+            <a:normAutofit/>
+          </a:bodyPr>
+          <a:lstStyle/>
+          <a:p>
+            <a:pPr algn="ctr"/>
+            <a:r>
+              <a:rPr lang="en-US" sz="3600" b="1" dirty="0">
+                <a:latin typeface="Arial Unicode MS" panose="020B0604020202020204" pitchFamily="34" charset="-128"/>
+                <a:ea typeface="Arial Unicode MS" panose="020B0604020202020204" pitchFamily="34" charset="-128"/>
+                <a:cs typeface="Arial Unicode MS" panose="020B0604020202020204" pitchFamily="34" charset="-128"/>
+              </a:rPr>
+              <a:t>SQL Queries recap </a:t>
+            </a:r>
+          </a:p>
+        </p:txBody>
+      </p:sp>
+      <p:sp>
+        <p:nvSpPr>
+          <p:cNvPr id="3" name="Text Placeholder 2"/>
+          <p:cNvSpPr>
+            <a:spLocks noGrp="1"/>
+          </p:cNvSpPr>
+          <p:nvPr>
+            <p:ph type="body" sz="half" idx="1"/>
+          </p:nvPr>
+        </p:nvSpPr>
+        <p:spPr>
+          <a:xfrm>
+            <a:off x="631874" y="1219200"/>
+            <a:ext cx="8534400" cy="5486400"/>
+          </a:xfrm>
+        </p:spPr>
+        <p:txBody>
+          <a:bodyPr>
+            <a:normAutofit/>
+          </a:bodyPr>
+          <a:lstStyle/>
+          <a:p>
+            <a:r>
+              <a:rPr lang="en-US" sz="3000" dirty="0"/>
+              <a:t>SELECT basics</a:t>
+            </a:r>
+            <a:endParaRPr lang="en-US" sz="3000" b="1" dirty="0"/>
+          </a:p>
+          <a:p>
+            <a:pPr lvl="1"/>
+            <a:r>
+              <a:rPr lang="en-US" sz="2600" dirty="0"/>
+              <a:t>SELECT, FROM, WHERE</a:t>
+            </a:r>
+          </a:p>
+          <a:p>
+            <a:pPr lvl="1"/>
+            <a:r>
+              <a:rPr lang="en-US" sz="2600" dirty="0"/>
+              <a:t>Internal joins (INNER JOIN)</a:t>
+            </a:r>
+          </a:p>
+          <a:p>
+            <a:pPr lvl="1"/>
+            <a:r>
+              <a:rPr lang="en-US" sz="2600" dirty="0"/>
+              <a:t>Numeric, string, date, time, timestap and other functions</a:t>
+            </a:r>
+          </a:p>
+          <a:p>
+            <a:pPr lvl="1"/>
+            <a:r>
+              <a:rPr lang="en-US" sz="2600" dirty="0"/>
+              <a:t>Groups and aggregates: GROUP BY, HAVING</a:t>
+            </a:r>
+          </a:p>
+          <a:p>
+            <a:r>
+              <a:rPr lang="en-US" sz="3000" dirty="0"/>
+              <a:t>Intermediate SELECT</a:t>
+            </a:r>
+          </a:p>
+          <a:p>
+            <a:pPr lvl="1"/>
+            <a:r>
+              <a:rPr lang="en-US" sz="2600" dirty="0"/>
+              <a:t>NULL values</a:t>
+            </a:r>
+          </a:p>
+          <a:p>
+            <a:pPr lvl="1"/>
+            <a:r>
+              <a:rPr lang="en-US" sz="2600" dirty="0"/>
+              <a:t>CASE structures</a:t>
+            </a:r>
+          </a:p>
+          <a:p>
+            <a:pPr lvl="1"/>
+            <a:r>
+              <a:rPr lang="en-US" sz="2600" dirty="0"/>
+              <a:t>External joins (OUTER JOIN)</a:t>
+            </a:r>
+          </a:p>
+          <a:p>
+            <a:pPr lvl="1"/>
+            <a:r>
+              <a:rPr lang="en-US" sz="2600" dirty="0"/>
+              <a:t>Subqueries in WHERE and HAVING clauses</a:t>
+            </a:r>
+          </a:p>
+        </p:txBody>
+      </p:sp>
+    </p:spTree>
+    <p:extLst>
+      <p:ext uri="{BB962C8B-B14F-4D97-AF65-F5344CB8AC3E}">
+        <p14:creationId xmlns:p14="http://schemas.microsoft.com/office/powerpoint/2010/main" val="2309541380"/>
+      </p:ext>
+    </p:extLst>
+  </p:cSld>
+  <p:clrMapOvr>
+    <a:masterClrMapping/>
+  </p:clrMapOvr>
+  <p:transition>
+    <p:random/>
+  </p:transition>
+</p:sld>
+</file>
+
+<file path=ppt/slides/slide13.xml><?xml version="1.0" encoding="utf-8"?>
+<p:sld xmlns:a="http://schemas.openxmlformats.org/drawingml/2006/main" xmlns:r="http://schemas.openxmlformats.org/officeDocument/2006/relationships" xmlns:p="http://schemas.openxmlformats.org/presentationml/2006/main">
+  <p:cSld>
+    <p:spTree>
+      <p:nvGrpSpPr>
+        <p:cNvPr id="1" name=""/>
+        <p:cNvGrpSpPr/>
+        <p:nvPr/>
+      </p:nvGrpSpPr>
+      <p:grpSpPr>
+        <a:xfrm>
+          <a:off x="0" y="0"/>
+          <a:ext cx="0" cy="0"/>
+          <a:chOff x="0" y="0"/>
+          <a:chExt cx="0" cy="0"/>
+        </a:xfrm>
+      </p:grpSpPr>
+      <p:sp>
+        <p:nvSpPr>
+          <p:cNvPr id="2" name="Title 1"/>
+          <p:cNvSpPr>
+            <a:spLocks noGrp="1"/>
+          </p:cNvSpPr>
+          <p:nvPr>
+            <p:ph type="title"/>
+          </p:nvPr>
+        </p:nvSpPr>
+        <p:spPr>
+          <a:xfrm>
+            <a:off x="304800" y="76200"/>
+            <a:ext cx="8686800" cy="1143000"/>
+          </a:xfrm>
+        </p:spPr>
+        <p:txBody>
+          <a:bodyPr anchor="ctr">
+            <a:normAutofit/>
+          </a:bodyPr>
+          <a:lstStyle/>
+          <a:p>
+            <a:pPr algn="ctr"/>
+            <a:r>
+              <a:rPr lang="en-US" sz="3600" b="1" dirty="0">
+                <a:latin typeface="Arial Unicode MS" panose="020B0604020202020204" pitchFamily="34" charset="-128"/>
+                <a:ea typeface="Arial Unicode MS" panose="020B0604020202020204" pitchFamily="34" charset="-128"/>
+                <a:cs typeface="Arial Unicode MS" panose="020B0604020202020204" pitchFamily="34" charset="-128"/>
+              </a:rPr>
               <a:t>SQL Queries recap (cont.) </a:t>
             </a:r>
           </a:p>
@@ -5328,7 +5706,7 @@
 </p:sld>
 </file>
 
-<file path=ppt/slides/slide12.xml><?xml version="1.0" encoding="utf-8"?>
+<file path=ppt/slides/slide14.xml><?xml version="1.0" encoding="utf-8"?>
 <p:sld xmlns:a="http://schemas.openxmlformats.org/drawingml/2006/main" xmlns:r="http://schemas.openxmlformats.org/officeDocument/2006/relationships" xmlns:p="http://schemas.openxmlformats.org/presentationml/2006/main">
   <p:cSld>
     <p:spTree>
@@ -5498,1671 +5876,6 @@
 </p:sld>
 </file>
 
-<file path=ppt/slides/slide13.xml><?xml version="1.0" encoding="utf-8"?>
-<p:sld xmlns:a="http://schemas.openxmlformats.org/drawingml/2006/main" xmlns:r="http://schemas.openxmlformats.org/officeDocument/2006/relationships" xmlns:p="http://schemas.openxmlformats.org/presentationml/2006/main">
-  <p:cSld>
-    <p:spTree>
-      <p:nvGrpSpPr>
-        <p:cNvPr id="1" name=""/>
-        <p:cNvGrpSpPr/>
-        <p:nvPr/>
-      </p:nvGrpSpPr>
-      <p:grpSpPr>
-        <a:xfrm>
-          <a:off x="0" y="0"/>
-          <a:ext cx="0" cy="0"/>
-          <a:chOff x="0" y="0"/>
-          <a:chExt cx="0" cy="0"/>
-        </a:xfrm>
-      </p:grpSpPr>
-      <p:sp>
-        <p:nvSpPr>
-          <p:cNvPr id="2" name="Title 1"/>
-          <p:cNvSpPr>
-            <a:spLocks noGrp="1"/>
-          </p:cNvSpPr>
-          <p:nvPr>
-            <p:ph type="title"/>
-          </p:nvPr>
-        </p:nvSpPr>
-        <p:spPr>
-          <a:xfrm>
-            <a:off x="152400" y="76200"/>
-            <a:ext cx="8839200" cy="1143000"/>
-          </a:xfrm>
-        </p:spPr>
-        <p:txBody>
-          <a:bodyPr anchor="ctr">
-            <a:normAutofit fontScale="90000"/>
-          </a:bodyPr>
-          <a:lstStyle/>
-          <a:p>
-            <a:pPr algn="ctr"/>
-            <a:r>
-              <a:rPr lang="en-US" sz="3600" b="1" dirty="0">
-                <a:latin typeface="Arial Unicode MS" panose="020B0604020202020204" pitchFamily="34" charset="-128"/>
-                <a:ea typeface="Arial Unicode MS" panose="020B0604020202020204" pitchFamily="34" charset="-128"/>
-                <a:cs typeface="Arial Unicode MS" panose="020B0604020202020204" pitchFamily="34" charset="-128"/>
-              </a:rPr>
-              <a:t>Ad-hoc values in FROM clause – PostgreSQL </a:t>
-            </a:r>
-          </a:p>
-        </p:txBody>
-      </p:sp>
-      <p:sp>
-        <p:nvSpPr>
-          <p:cNvPr id="3" name="Text Placeholder 2"/>
-          <p:cNvSpPr>
-            <a:spLocks noGrp="1"/>
-          </p:cNvSpPr>
-          <p:nvPr>
-            <p:ph type="body" sz="half" idx="1"/>
-          </p:nvPr>
-        </p:nvSpPr>
-        <p:spPr>
-          <a:xfrm>
-            <a:off x="631874" y="1676400"/>
-            <a:ext cx="8534400" cy="5181600"/>
-          </a:xfrm>
-        </p:spPr>
-        <p:txBody>
-          <a:bodyPr>
-            <a:normAutofit fontScale="77500" lnSpcReduction="20000"/>
-          </a:bodyPr>
-          <a:lstStyle/>
-          <a:p>
-            <a:pPr>
-              <a:buNone/>
-            </a:pPr>
-            <a:r>
-              <a:rPr lang="en-US" sz="2800" dirty="0">
-                <a:latin typeface="Franklin Gothic Demi" pitchFamily="34" charset="0"/>
-              </a:rPr>
-              <a:t>SELECT </a:t>
-            </a:r>
-            <a:r>
-              <a:rPr lang="en-US" sz="2800" dirty="0" err="1">
-                <a:solidFill>
-                  <a:srgbClr val="FF0000"/>
-                </a:solidFill>
-                <a:latin typeface="Franklin Gothic Demi" pitchFamily="34" charset="0"/>
-              </a:rPr>
-              <a:t>LimInf</a:t>
-            </a:r>
-            <a:r>
-              <a:rPr lang="en-US" sz="2800" dirty="0">
-                <a:latin typeface="Franklin Gothic Demi" pitchFamily="34" charset="0"/>
-              </a:rPr>
-              <a:t>, </a:t>
-            </a:r>
-            <a:r>
-              <a:rPr lang="en-US" sz="2800" dirty="0" err="1">
-                <a:solidFill>
-                  <a:srgbClr val="FF0000"/>
-                </a:solidFill>
-                <a:latin typeface="Franklin Gothic Demi" pitchFamily="34" charset="0"/>
-              </a:rPr>
-              <a:t>LimSup</a:t>
-            </a:r>
-            <a:r>
-              <a:rPr lang="en-US" sz="2800" dirty="0">
-                <a:latin typeface="Franklin Gothic Demi" pitchFamily="34" charset="0"/>
-              </a:rPr>
-              <a:t>, COUNT(</a:t>
-            </a:r>
-            <a:r>
-              <a:rPr lang="en-US" sz="2800" dirty="0" err="1">
-                <a:solidFill>
-                  <a:schemeClr val="accent2">
-                    <a:lumMod val="50000"/>
-                  </a:schemeClr>
-                </a:solidFill>
-                <a:latin typeface="Franklin Gothic Demi" pitchFamily="34" charset="0"/>
-              </a:rPr>
-              <a:t>fact.ValFact</a:t>
-            </a:r>
-            <a:r>
-              <a:rPr lang="en-US" sz="2800" dirty="0">
-                <a:latin typeface="Franklin Gothic Demi" pitchFamily="34" charset="0"/>
-              </a:rPr>
-              <a:t>) AS </a:t>
-            </a:r>
-            <a:r>
-              <a:rPr lang="en-US" sz="2800" dirty="0" err="1">
-                <a:latin typeface="Franklin Gothic Demi" pitchFamily="34" charset="0"/>
-              </a:rPr>
-              <a:t>Nr_Facturi</a:t>
-            </a:r>
-            <a:endParaRPr lang="en-US" sz="2800" dirty="0">
-              <a:latin typeface="Franklin Gothic Demi" pitchFamily="34" charset="0"/>
-            </a:endParaRPr>
-          </a:p>
-          <a:p>
-            <a:pPr>
-              <a:buNone/>
-            </a:pPr>
-            <a:r>
-              <a:rPr lang="en-US" sz="2800" dirty="0">
-                <a:latin typeface="Franklin Gothic Demi" pitchFamily="34" charset="0"/>
-              </a:rPr>
-              <a:t>FROM </a:t>
-            </a:r>
-          </a:p>
-          <a:p>
-            <a:pPr>
-              <a:buNone/>
-            </a:pPr>
-            <a:r>
-              <a:rPr lang="en-US" sz="2800" dirty="0">
-                <a:latin typeface="Franklin Gothic Demi" pitchFamily="34" charset="0"/>
-              </a:rPr>
-              <a:t>	</a:t>
-            </a:r>
-            <a:r>
-              <a:rPr lang="en-US" sz="2800" dirty="0">
-                <a:solidFill>
-                  <a:srgbClr val="FF0000"/>
-                </a:solidFill>
-                <a:latin typeface="Franklin Gothic Demi" pitchFamily="34" charset="0"/>
-              </a:rPr>
-              <a:t>(VALUES (0, 100000) , (100001, 200000), (200001, 500000), </a:t>
-            </a:r>
-          </a:p>
-          <a:p>
-            <a:pPr>
-              <a:buNone/>
-            </a:pPr>
-            <a:r>
-              <a:rPr lang="en-US" sz="2800" dirty="0">
-                <a:solidFill>
-                  <a:srgbClr val="FF0000"/>
-                </a:solidFill>
-                <a:latin typeface="Franklin Gothic Demi" pitchFamily="34" charset="0"/>
-              </a:rPr>
-              <a:t>	     </a:t>
-            </a:r>
-            <a:r>
-              <a:rPr lang="ro-RO" sz="2800" dirty="0">
-                <a:solidFill>
-                  <a:srgbClr val="FF0000"/>
-                </a:solidFill>
-                <a:latin typeface="Franklin Gothic Demi" pitchFamily="34" charset="0"/>
-              </a:rPr>
-              <a:t>	</a:t>
-            </a:r>
-            <a:r>
-              <a:rPr lang="en-US" sz="2800" dirty="0">
-                <a:solidFill>
-                  <a:srgbClr val="FF0000"/>
-                </a:solidFill>
-                <a:latin typeface="Franklin Gothic Demi" pitchFamily="34" charset="0"/>
-              </a:rPr>
-              <a:t>(500001, 1000000), (1000001, 99999999) ) </a:t>
-            </a:r>
-            <a:endParaRPr lang="ro-RO" sz="2800" dirty="0">
-              <a:solidFill>
-                <a:srgbClr val="FF0000"/>
-              </a:solidFill>
-              <a:latin typeface="Franklin Gothic Demi" pitchFamily="34" charset="0"/>
-            </a:endParaRPr>
-          </a:p>
-          <a:p>
-            <a:pPr>
-              <a:buNone/>
-            </a:pPr>
-            <a:r>
-              <a:rPr lang="ro-RO" sz="2800" dirty="0">
-                <a:solidFill>
-                  <a:srgbClr val="FF0000"/>
-                </a:solidFill>
-                <a:latin typeface="Franklin Gothic Demi" pitchFamily="34" charset="0"/>
-              </a:rPr>
-              <a:t>			</a:t>
-            </a:r>
-            <a:r>
-              <a:rPr lang="en-US" sz="2800" dirty="0" err="1">
-                <a:solidFill>
-                  <a:srgbClr val="FF0000"/>
-                </a:solidFill>
-                <a:latin typeface="Franklin Gothic Demi" pitchFamily="34" charset="0"/>
-              </a:rPr>
-              <a:t>intervale</a:t>
-            </a:r>
-            <a:r>
-              <a:rPr lang="en-US" sz="2800" dirty="0">
-                <a:solidFill>
-                  <a:srgbClr val="FF0000"/>
-                </a:solidFill>
-                <a:latin typeface="Franklin Gothic Demi" pitchFamily="34" charset="0"/>
-              </a:rPr>
-              <a:t> (</a:t>
-            </a:r>
-            <a:r>
-              <a:rPr lang="en-US" sz="2800" dirty="0" err="1">
-                <a:solidFill>
-                  <a:srgbClr val="FF0000"/>
-                </a:solidFill>
-                <a:latin typeface="Franklin Gothic Demi" pitchFamily="34" charset="0"/>
-              </a:rPr>
-              <a:t>LimInf</a:t>
-            </a:r>
-            <a:r>
-              <a:rPr lang="en-US" sz="2800" dirty="0">
-                <a:solidFill>
-                  <a:srgbClr val="FF0000"/>
-                </a:solidFill>
-                <a:latin typeface="Franklin Gothic Demi" pitchFamily="34" charset="0"/>
-              </a:rPr>
-              <a:t>, </a:t>
-            </a:r>
-            <a:r>
-              <a:rPr lang="en-US" sz="2800" dirty="0" err="1">
-                <a:solidFill>
-                  <a:srgbClr val="FF0000"/>
-                </a:solidFill>
-                <a:latin typeface="Franklin Gothic Demi" pitchFamily="34" charset="0"/>
-              </a:rPr>
-              <a:t>LimSup</a:t>
-            </a:r>
-            <a:r>
-              <a:rPr lang="en-US" sz="2800" dirty="0">
-                <a:solidFill>
-                  <a:srgbClr val="FF0000"/>
-                </a:solidFill>
-                <a:latin typeface="Franklin Gothic Demi" pitchFamily="34" charset="0"/>
-              </a:rPr>
-              <a:t>)</a:t>
-            </a:r>
-          </a:p>
-          <a:p>
-            <a:pPr>
-              <a:buNone/>
-            </a:pPr>
-            <a:r>
-              <a:rPr lang="en-US" sz="2800" dirty="0">
-                <a:latin typeface="Franklin Gothic Demi" pitchFamily="34" charset="0"/>
-              </a:rPr>
-              <a:t>  LEFT OUTER JOIN</a:t>
-            </a:r>
-          </a:p>
-          <a:p>
-            <a:pPr>
-              <a:buNone/>
-            </a:pPr>
-            <a:r>
-              <a:rPr lang="en-US" sz="2800" dirty="0">
-                <a:latin typeface="Franklin Gothic Demi" pitchFamily="34" charset="0"/>
-              </a:rPr>
-              <a:t>      </a:t>
-            </a:r>
-            <a:r>
-              <a:rPr lang="en-US" sz="2800" dirty="0">
-                <a:solidFill>
-                  <a:schemeClr val="accent2">
-                    <a:lumMod val="50000"/>
-                  </a:schemeClr>
-                </a:solidFill>
-                <a:latin typeface="Franklin Gothic Demi" pitchFamily="34" charset="0"/>
-              </a:rPr>
-              <a:t>(SELECT </a:t>
-            </a:r>
-            <a:r>
-              <a:rPr lang="en-US" sz="2800" dirty="0" err="1">
-                <a:solidFill>
-                  <a:schemeClr val="accent2">
-                    <a:lumMod val="50000"/>
-                  </a:schemeClr>
-                </a:solidFill>
-                <a:latin typeface="Franklin Gothic Demi" pitchFamily="34" charset="0"/>
-              </a:rPr>
-              <a:t>f.NrFact</a:t>
-            </a:r>
-            <a:r>
-              <a:rPr lang="en-US" sz="2800" dirty="0">
-                <a:solidFill>
-                  <a:schemeClr val="accent2">
-                    <a:lumMod val="50000"/>
-                  </a:schemeClr>
-                </a:solidFill>
-                <a:latin typeface="Franklin Gothic Demi" pitchFamily="34" charset="0"/>
-              </a:rPr>
-              <a:t>, SUM(</a:t>
-            </a:r>
-            <a:r>
-              <a:rPr lang="en-US" sz="2800" dirty="0" err="1">
-                <a:solidFill>
-                  <a:schemeClr val="accent2">
-                    <a:lumMod val="50000"/>
-                  </a:schemeClr>
-                </a:solidFill>
-                <a:latin typeface="Franklin Gothic Demi" pitchFamily="34" charset="0"/>
-              </a:rPr>
-              <a:t>Cantitate</a:t>
-            </a:r>
-            <a:r>
-              <a:rPr lang="en-US" sz="2800" dirty="0">
-                <a:solidFill>
-                  <a:schemeClr val="accent2">
-                    <a:lumMod val="50000"/>
-                  </a:schemeClr>
-                </a:solidFill>
-                <a:latin typeface="Franklin Gothic Demi" pitchFamily="34" charset="0"/>
-              </a:rPr>
-              <a:t> * </a:t>
-            </a:r>
-            <a:r>
-              <a:rPr lang="en-US" sz="2800" dirty="0" err="1">
-                <a:solidFill>
-                  <a:schemeClr val="accent2">
-                    <a:lumMod val="50000"/>
-                  </a:schemeClr>
-                </a:solidFill>
-                <a:latin typeface="Franklin Gothic Demi" pitchFamily="34" charset="0"/>
-              </a:rPr>
-              <a:t>PretUnit</a:t>
-            </a:r>
-            <a:r>
-              <a:rPr lang="en-US" sz="2800" dirty="0">
-                <a:solidFill>
-                  <a:schemeClr val="accent2">
-                    <a:lumMod val="50000"/>
-                  </a:schemeClr>
-                </a:solidFill>
-                <a:latin typeface="Franklin Gothic Demi" pitchFamily="34" charset="0"/>
-              </a:rPr>
-              <a:t> * (</a:t>
-            </a:r>
-            <a:r>
-              <a:rPr lang="en-US" sz="2800" dirty="0" err="1">
-                <a:solidFill>
-                  <a:schemeClr val="accent2">
-                    <a:lumMod val="50000"/>
-                  </a:schemeClr>
-                </a:solidFill>
-                <a:latin typeface="Franklin Gothic Demi" pitchFamily="34" charset="0"/>
-              </a:rPr>
-              <a:t>1+ProcTVA</a:t>
-            </a:r>
-            <a:r>
-              <a:rPr lang="en-US" sz="2800" dirty="0">
-                <a:solidFill>
-                  <a:schemeClr val="accent2">
-                    <a:lumMod val="50000"/>
-                  </a:schemeClr>
-                </a:solidFill>
-                <a:latin typeface="Franklin Gothic Demi" pitchFamily="34" charset="0"/>
-              </a:rPr>
-              <a:t>)) </a:t>
-            </a:r>
-            <a:endParaRPr lang="ro-RO" sz="2800" dirty="0">
-              <a:solidFill>
-                <a:schemeClr val="accent2">
-                  <a:lumMod val="50000"/>
-                </a:schemeClr>
-              </a:solidFill>
-              <a:latin typeface="Franklin Gothic Demi" pitchFamily="34" charset="0"/>
-            </a:endParaRPr>
-          </a:p>
-          <a:p>
-            <a:pPr>
-              <a:buNone/>
-            </a:pPr>
-            <a:r>
-              <a:rPr lang="ro-RO" sz="2800" dirty="0">
-                <a:solidFill>
-                  <a:schemeClr val="accent2">
-                    <a:lumMod val="50000"/>
-                  </a:schemeClr>
-                </a:solidFill>
-                <a:latin typeface="Franklin Gothic Demi" pitchFamily="34" charset="0"/>
-              </a:rPr>
-              <a:t>			</a:t>
-            </a:r>
-            <a:r>
-              <a:rPr lang="en-US" sz="2800" dirty="0">
-                <a:solidFill>
-                  <a:schemeClr val="accent2">
-                    <a:lumMod val="50000"/>
-                  </a:schemeClr>
-                </a:solidFill>
-                <a:latin typeface="Franklin Gothic Demi" pitchFamily="34" charset="0"/>
-              </a:rPr>
-              <a:t>AS </a:t>
-            </a:r>
-            <a:r>
-              <a:rPr lang="en-US" sz="2800" dirty="0" err="1">
-                <a:solidFill>
-                  <a:schemeClr val="accent2">
-                    <a:lumMod val="50000"/>
-                  </a:schemeClr>
-                </a:solidFill>
-                <a:latin typeface="Franklin Gothic Demi" pitchFamily="34" charset="0"/>
-              </a:rPr>
-              <a:t>ValFact</a:t>
-            </a:r>
-            <a:r>
-              <a:rPr lang="en-US" sz="2800" dirty="0">
-                <a:solidFill>
-                  <a:schemeClr val="accent2">
-                    <a:lumMod val="50000"/>
-                  </a:schemeClr>
-                </a:solidFill>
-                <a:latin typeface="Franklin Gothic Demi" pitchFamily="34" charset="0"/>
-              </a:rPr>
-              <a:t> </a:t>
-            </a:r>
-          </a:p>
-          <a:p>
-            <a:pPr>
-              <a:buNone/>
-            </a:pPr>
-            <a:r>
-              <a:rPr lang="en-US" sz="2800" dirty="0">
-                <a:solidFill>
-                  <a:schemeClr val="accent2">
-                    <a:lumMod val="50000"/>
-                  </a:schemeClr>
-                </a:solidFill>
-                <a:latin typeface="Franklin Gothic Demi" pitchFamily="34" charset="0"/>
-              </a:rPr>
-              <a:t>        FROM </a:t>
-            </a:r>
-            <a:r>
-              <a:rPr lang="en-US" sz="2800" dirty="0" err="1">
-                <a:solidFill>
-                  <a:schemeClr val="accent2">
-                    <a:lumMod val="50000"/>
-                  </a:schemeClr>
-                </a:solidFill>
-                <a:latin typeface="Franklin Gothic Demi" pitchFamily="34" charset="0"/>
-              </a:rPr>
-              <a:t>facturi</a:t>
-            </a:r>
-            <a:r>
-              <a:rPr lang="en-US" sz="2800" dirty="0">
-                <a:solidFill>
-                  <a:schemeClr val="accent2">
-                    <a:lumMod val="50000"/>
-                  </a:schemeClr>
-                </a:solidFill>
-                <a:latin typeface="Franklin Gothic Demi" pitchFamily="34" charset="0"/>
-              </a:rPr>
-              <a:t> f INNER JOIN </a:t>
-            </a:r>
-            <a:r>
-              <a:rPr lang="en-US" sz="2800" dirty="0" err="1">
-                <a:solidFill>
-                  <a:schemeClr val="accent2">
-                    <a:lumMod val="50000"/>
-                  </a:schemeClr>
-                </a:solidFill>
-                <a:latin typeface="Franklin Gothic Demi" pitchFamily="34" charset="0"/>
-              </a:rPr>
-              <a:t>liniifact</a:t>
-            </a:r>
-            <a:r>
-              <a:rPr lang="en-US" sz="2800" dirty="0">
-                <a:solidFill>
-                  <a:schemeClr val="accent2">
-                    <a:lumMod val="50000"/>
-                  </a:schemeClr>
-                </a:solidFill>
-                <a:latin typeface="Franklin Gothic Demi" pitchFamily="34" charset="0"/>
-              </a:rPr>
-              <a:t> lf ON </a:t>
-            </a:r>
-            <a:r>
-              <a:rPr lang="en-US" sz="2800" dirty="0" err="1">
-                <a:solidFill>
-                  <a:schemeClr val="accent2">
-                    <a:lumMod val="50000"/>
-                  </a:schemeClr>
-                </a:solidFill>
-                <a:latin typeface="Franklin Gothic Demi" pitchFamily="34" charset="0"/>
-              </a:rPr>
-              <a:t>lf.NrFact</a:t>
-            </a:r>
-            <a:r>
-              <a:rPr lang="en-US" sz="2800" dirty="0">
-                <a:solidFill>
-                  <a:schemeClr val="accent2">
-                    <a:lumMod val="50000"/>
-                  </a:schemeClr>
-                </a:solidFill>
-                <a:latin typeface="Franklin Gothic Demi" pitchFamily="34" charset="0"/>
-              </a:rPr>
-              <a:t>=</a:t>
-            </a:r>
-            <a:r>
-              <a:rPr lang="en-US" sz="2800" dirty="0" err="1">
-                <a:solidFill>
-                  <a:schemeClr val="accent2">
-                    <a:lumMod val="50000"/>
-                  </a:schemeClr>
-                </a:solidFill>
-                <a:latin typeface="Franklin Gothic Demi" pitchFamily="34" charset="0"/>
-              </a:rPr>
-              <a:t>f.NrFact</a:t>
-            </a:r>
-            <a:endParaRPr lang="en-US" sz="2800" dirty="0">
-              <a:solidFill>
-                <a:schemeClr val="accent2">
-                  <a:lumMod val="50000"/>
-                </a:schemeClr>
-              </a:solidFill>
-              <a:latin typeface="Franklin Gothic Demi" pitchFamily="34" charset="0"/>
-            </a:endParaRPr>
-          </a:p>
-          <a:p>
-            <a:pPr>
-              <a:buNone/>
-            </a:pPr>
-            <a:r>
-              <a:rPr lang="en-US" sz="2800" dirty="0">
-                <a:solidFill>
-                  <a:schemeClr val="accent2">
-                    <a:lumMod val="50000"/>
-                  </a:schemeClr>
-                </a:solidFill>
-                <a:latin typeface="Franklin Gothic Demi" pitchFamily="34" charset="0"/>
-              </a:rPr>
-              <a:t>         		 INNER JOIN </a:t>
-            </a:r>
-            <a:r>
-              <a:rPr lang="en-US" sz="2800" dirty="0" err="1">
-                <a:solidFill>
-                  <a:schemeClr val="accent2">
-                    <a:lumMod val="50000"/>
-                  </a:schemeClr>
-                </a:solidFill>
-                <a:latin typeface="Franklin Gothic Demi" pitchFamily="34" charset="0"/>
-              </a:rPr>
-              <a:t>produse</a:t>
-            </a:r>
-            <a:r>
-              <a:rPr lang="en-US" sz="2800" dirty="0">
-                <a:solidFill>
-                  <a:schemeClr val="accent2">
-                    <a:lumMod val="50000"/>
-                  </a:schemeClr>
-                </a:solidFill>
-                <a:latin typeface="Franklin Gothic Demi" pitchFamily="34" charset="0"/>
-              </a:rPr>
-              <a:t> p ON </a:t>
-            </a:r>
-            <a:r>
-              <a:rPr lang="en-US" sz="2800" dirty="0" err="1">
-                <a:solidFill>
-                  <a:schemeClr val="accent2">
-                    <a:lumMod val="50000"/>
-                  </a:schemeClr>
-                </a:solidFill>
-                <a:latin typeface="Franklin Gothic Demi" pitchFamily="34" charset="0"/>
-              </a:rPr>
-              <a:t>lf.CodPr</a:t>
-            </a:r>
-            <a:r>
-              <a:rPr lang="en-US" sz="2800" dirty="0">
-                <a:solidFill>
-                  <a:schemeClr val="accent2">
-                    <a:lumMod val="50000"/>
-                  </a:schemeClr>
-                </a:solidFill>
-                <a:latin typeface="Franklin Gothic Demi" pitchFamily="34" charset="0"/>
-              </a:rPr>
-              <a:t>=</a:t>
-            </a:r>
-            <a:r>
-              <a:rPr lang="en-US" sz="2800" dirty="0" err="1">
-                <a:solidFill>
-                  <a:schemeClr val="accent2">
-                    <a:lumMod val="50000"/>
-                  </a:schemeClr>
-                </a:solidFill>
-                <a:latin typeface="Franklin Gothic Demi" pitchFamily="34" charset="0"/>
-              </a:rPr>
-              <a:t>p.CodPr</a:t>
-            </a:r>
-            <a:endParaRPr lang="en-US" sz="2800" dirty="0">
-              <a:solidFill>
-                <a:schemeClr val="accent2">
-                  <a:lumMod val="50000"/>
-                </a:schemeClr>
-              </a:solidFill>
-              <a:latin typeface="Franklin Gothic Demi" pitchFamily="34" charset="0"/>
-            </a:endParaRPr>
-          </a:p>
-          <a:p>
-            <a:pPr>
-              <a:buNone/>
-            </a:pPr>
-            <a:r>
-              <a:rPr lang="en-US" sz="2800" dirty="0">
-                <a:solidFill>
-                  <a:schemeClr val="accent2">
-                    <a:lumMod val="50000"/>
-                  </a:schemeClr>
-                </a:solidFill>
-                <a:latin typeface="Franklin Gothic Demi" pitchFamily="34" charset="0"/>
-              </a:rPr>
-              <a:t>        GROUP BY </a:t>
-            </a:r>
-            <a:r>
-              <a:rPr lang="en-US" sz="2800" dirty="0" err="1">
-                <a:solidFill>
-                  <a:schemeClr val="accent2">
-                    <a:lumMod val="50000"/>
-                  </a:schemeClr>
-                </a:solidFill>
-                <a:latin typeface="Franklin Gothic Demi" pitchFamily="34" charset="0"/>
-              </a:rPr>
-              <a:t>f.NrFact</a:t>
-            </a:r>
-            <a:r>
-              <a:rPr lang="en-US" sz="2800" dirty="0">
-                <a:solidFill>
-                  <a:schemeClr val="accent2">
-                    <a:lumMod val="50000"/>
-                  </a:schemeClr>
-                </a:solidFill>
-                <a:latin typeface="Franklin Gothic Demi" pitchFamily="34" charset="0"/>
-              </a:rPr>
-              <a:t> </a:t>
-            </a:r>
-          </a:p>
-          <a:p>
-            <a:pPr>
-              <a:buNone/>
-            </a:pPr>
-            <a:r>
-              <a:rPr lang="en-US" sz="2800" dirty="0">
-                <a:solidFill>
-                  <a:schemeClr val="accent2">
-                    <a:lumMod val="50000"/>
-                  </a:schemeClr>
-                </a:solidFill>
-                <a:latin typeface="Franklin Gothic Demi" pitchFamily="34" charset="0"/>
-              </a:rPr>
-              <a:t>	    ) fact  </a:t>
-            </a:r>
-            <a:r>
-              <a:rPr lang="en-US" sz="2800" dirty="0">
-                <a:latin typeface="Franklin Gothic Demi" pitchFamily="34" charset="0"/>
-              </a:rPr>
-              <a:t>ON  </a:t>
-            </a:r>
-            <a:r>
-              <a:rPr lang="en-US" sz="2800" dirty="0" err="1">
-                <a:solidFill>
-                  <a:schemeClr val="accent2">
-                    <a:lumMod val="50000"/>
-                  </a:schemeClr>
-                </a:solidFill>
-                <a:latin typeface="Franklin Gothic Demi" pitchFamily="34" charset="0"/>
-              </a:rPr>
-              <a:t>ValFact</a:t>
-            </a:r>
-            <a:r>
-              <a:rPr lang="en-US" sz="2800" dirty="0">
-                <a:latin typeface="Franklin Gothic Demi" pitchFamily="34" charset="0"/>
-              </a:rPr>
-              <a:t> BETWEEN </a:t>
-            </a:r>
-            <a:r>
-              <a:rPr lang="en-US" sz="2800" dirty="0" err="1">
-                <a:solidFill>
-                  <a:srgbClr val="FF0000"/>
-                </a:solidFill>
-                <a:latin typeface="Franklin Gothic Demi" pitchFamily="34" charset="0"/>
-              </a:rPr>
-              <a:t>LimInf</a:t>
-            </a:r>
-            <a:r>
-              <a:rPr lang="en-US" sz="2800" dirty="0">
-                <a:latin typeface="Franklin Gothic Demi" pitchFamily="34" charset="0"/>
-              </a:rPr>
-              <a:t> AND </a:t>
-            </a:r>
-            <a:r>
-              <a:rPr lang="en-US" sz="2800" dirty="0" err="1">
-                <a:solidFill>
-                  <a:srgbClr val="FF0000"/>
-                </a:solidFill>
-                <a:latin typeface="Franklin Gothic Demi" pitchFamily="34" charset="0"/>
-              </a:rPr>
-              <a:t>LimSup</a:t>
-            </a:r>
-            <a:endParaRPr lang="en-US" sz="2800" dirty="0">
-              <a:solidFill>
-                <a:srgbClr val="FF0000"/>
-              </a:solidFill>
-              <a:latin typeface="Franklin Gothic Demi" pitchFamily="34" charset="0"/>
-            </a:endParaRPr>
-          </a:p>
-          <a:p>
-            <a:pPr>
-              <a:buNone/>
-            </a:pPr>
-            <a:r>
-              <a:rPr lang="en-US" sz="2800" dirty="0">
-                <a:latin typeface="Franklin Gothic Demi" pitchFamily="34" charset="0"/>
-              </a:rPr>
-              <a:t>GROUP BY </a:t>
-            </a:r>
-            <a:r>
-              <a:rPr lang="en-US" sz="2800" dirty="0" err="1">
-                <a:solidFill>
-                  <a:srgbClr val="FF0000"/>
-                </a:solidFill>
-                <a:latin typeface="Franklin Gothic Demi" pitchFamily="34" charset="0"/>
-              </a:rPr>
-              <a:t>LimInf</a:t>
-            </a:r>
-            <a:r>
-              <a:rPr lang="en-US" sz="2800" dirty="0">
-                <a:latin typeface="Franklin Gothic Demi" pitchFamily="34" charset="0"/>
-              </a:rPr>
-              <a:t>, </a:t>
-            </a:r>
-            <a:r>
-              <a:rPr lang="en-US" sz="2800" dirty="0" err="1">
-                <a:solidFill>
-                  <a:srgbClr val="FF0000"/>
-                </a:solidFill>
-                <a:latin typeface="Franklin Gothic Demi" pitchFamily="34" charset="0"/>
-              </a:rPr>
-              <a:t>LimSup</a:t>
-            </a:r>
-            <a:r>
-              <a:rPr lang="ro-RO" sz="2800" dirty="0">
-                <a:solidFill>
-                  <a:srgbClr val="FF0000"/>
-                </a:solidFill>
-                <a:latin typeface="Franklin Gothic Demi" pitchFamily="34" charset="0"/>
-              </a:rPr>
-              <a:t>      </a:t>
-            </a:r>
-            <a:r>
-              <a:rPr lang="en-US" sz="2800" dirty="0">
-                <a:latin typeface="Franklin Gothic Demi" pitchFamily="34" charset="0"/>
-              </a:rPr>
-              <a:t>ORDER BY </a:t>
-            </a:r>
-            <a:r>
-              <a:rPr lang="en-US" sz="2800" dirty="0" err="1">
-                <a:solidFill>
-                  <a:srgbClr val="FF0000"/>
-                </a:solidFill>
-                <a:latin typeface="Franklin Gothic Demi" pitchFamily="34" charset="0"/>
-              </a:rPr>
-              <a:t>LimInf</a:t>
-            </a:r>
-            <a:r>
-              <a:rPr lang="en-US" sz="2800" dirty="0">
-                <a:latin typeface="Franklin Gothic Demi" pitchFamily="34" charset="0"/>
-              </a:rPr>
-              <a:t>, </a:t>
-            </a:r>
-            <a:r>
-              <a:rPr lang="en-US" sz="2800" dirty="0" err="1">
-                <a:solidFill>
-                  <a:srgbClr val="FF0000"/>
-                </a:solidFill>
-                <a:latin typeface="Franklin Gothic Demi" pitchFamily="34" charset="0"/>
-              </a:rPr>
-              <a:t>LimSup</a:t>
-            </a:r>
-            <a:endParaRPr lang="en-US" sz="2800" dirty="0">
-              <a:solidFill>
-                <a:srgbClr val="FF0000"/>
-              </a:solidFill>
-              <a:latin typeface="Franklin Gothic Demi" pitchFamily="34" charset="0"/>
-            </a:endParaRPr>
-          </a:p>
-        </p:txBody>
-      </p:sp>
-    </p:spTree>
-    <p:extLst>
-      <p:ext uri="{BB962C8B-B14F-4D97-AF65-F5344CB8AC3E}">
-        <p14:creationId xmlns:p14="http://schemas.microsoft.com/office/powerpoint/2010/main" val="3452710658"/>
-      </p:ext>
-    </p:extLst>
-  </p:cSld>
-  <p:clrMapOvr>
-    <a:masterClrMapping/>
-  </p:clrMapOvr>
-  <p:transition>
-    <p:random/>
-  </p:transition>
-</p:sld>
-</file>
-
-<file path=ppt/slides/slide14.xml><?xml version="1.0" encoding="utf-8"?>
-<p:sld xmlns:a="http://schemas.openxmlformats.org/drawingml/2006/main" xmlns:r="http://schemas.openxmlformats.org/officeDocument/2006/relationships" xmlns:p="http://schemas.openxmlformats.org/presentationml/2006/main">
-  <p:cSld>
-    <p:spTree>
-      <p:nvGrpSpPr>
-        <p:cNvPr id="1" name=""/>
-        <p:cNvGrpSpPr/>
-        <p:nvPr/>
-      </p:nvGrpSpPr>
-      <p:grpSpPr>
-        <a:xfrm>
-          <a:off x="0" y="0"/>
-          <a:ext cx="0" cy="0"/>
-          <a:chOff x="0" y="0"/>
-          <a:chExt cx="0" cy="0"/>
-        </a:xfrm>
-      </p:grpSpPr>
-      <p:sp>
-        <p:nvSpPr>
-          <p:cNvPr id="2" name="Title 1"/>
-          <p:cNvSpPr>
-            <a:spLocks noGrp="1"/>
-          </p:cNvSpPr>
-          <p:nvPr>
-            <p:ph type="title"/>
-          </p:nvPr>
-        </p:nvSpPr>
-        <p:spPr>
-          <a:xfrm>
-            <a:off x="152400" y="76200"/>
-            <a:ext cx="8839200" cy="1143000"/>
-          </a:xfrm>
-        </p:spPr>
-        <p:txBody>
-          <a:bodyPr anchor="ctr">
-            <a:normAutofit/>
-          </a:bodyPr>
-          <a:lstStyle/>
-          <a:p>
-            <a:pPr algn="ctr"/>
-            <a:r>
-              <a:rPr lang="en-US" sz="3600" b="1" dirty="0">
-                <a:latin typeface="Arial Unicode MS" panose="020B0604020202020204" pitchFamily="34" charset="-128"/>
-                <a:ea typeface="Arial Unicode MS" panose="020B0604020202020204" pitchFamily="34" charset="-128"/>
-                <a:cs typeface="Arial Unicode MS" panose="020B0604020202020204" pitchFamily="34" charset="-128"/>
-              </a:rPr>
-              <a:t>Ad-hoc values in FROM clause – Oracle </a:t>
-            </a:r>
-          </a:p>
-        </p:txBody>
-      </p:sp>
-      <p:sp>
-        <p:nvSpPr>
-          <p:cNvPr id="3" name="Text Placeholder 2"/>
-          <p:cNvSpPr>
-            <a:spLocks noGrp="1"/>
-          </p:cNvSpPr>
-          <p:nvPr>
-            <p:ph type="body" sz="half" idx="1"/>
-          </p:nvPr>
-        </p:nvSpPr>
-        <p:spPr>
-          <a:xfrm>
-            <a:off x="631874" y="1295400"/>
-            <a:ext cx="8534400" cy="5562600"/>
-          </a:xfrm>
-        </p:spPr>
-        <p:txBody>
-          <a:bodyPr>
-            <a:normAutofit fontScale="77500" lnSpcReduction="20000"/>
-          </a:bodyPr>
-          <a:lstStyle/>
-          <a:p>
-            <a:pPr>
-              <a:buNone/>
-            </a:pPr>
-            <a:r>
-              <a:rPr lang="en-US" sz="2800" dirty="0">
-                <a:latin typeface="Franklin Gothic Demi" pitchFamily="34" charset="0"/>
-              </a:rPr>
-              <a:t>SELECT </a:t>
-            </a:r>
-            <a:r>
-              <a:rPr lang="en-US" sz="2800" dirty="0" err="1">
-                <a:solidFill>
-                  <a:srgbClr val="FF0000"/>
-                </a:solidFill>
-                <a:latin typeface="Franklin Gothic Demi" pitchFamily="34" charset="0"/>
-              </a:rPr>
-              <a:t>LimInf</a:t>
-            </a:r>
-            <a:r>
-              <a:rPr lang="en-US" sz="2800" dirty="0">
-                <a:latin typeface="Franklin Gothic Demi" pitchFamily="34" charset="0"/>
-              </a:rPr>
-              <a:t>, </a:t>
-            </a:r>
-            <a:r>
-              <a:rPr lang="en-US" sz="2800" dirty="0" err="1">
-                <a:solidFill>
-                  <a:srgbClr val="FF0000"/>
-                </a:solidFill>
-                <a:latin typeface="Franklin Gothic Demi" pitchFamily="34" charset="0"/>
-              </a:rPr>
-              <a:t>LimSup</a:t>
-            </a:r>
-            <a:r>
-              <a:rPr lang="en-US" sz="2800" dirty="0">
-                <a:latin typeface="Franklin Gothic Demi" pitchFamily="34" charset="0"/>
-              </a:rPr>
-              <a:t>, COUNT(</a:t>
-            </a:r>
-            <a:r>
-              <a:rPr lang="en-US" sz="2800" dirty="0" err="1">
-                <a:solidFill>
-                  <a:schemeClr val="accent2">
-                    <a:lumMod val="50000"/>
-                  </a:schemeClr>
-                </a:solidFill>
-                <a:latin typeface="Franklin Gothic Demi" pitchFamily="34" charset="0"/>
-              </a:rPr>
-              <a:t>fact.ValFact</a:t>
-            </a:r>
-            <a:r>
-              <a:rPr lang="en-US" sz="2800" dirty="0">
-                <a:latin typeface="Franklin Gothic Demi" pitchFamily="34" charset="0"/>
-              </a:rPr>
-              <a:t>) AS </a:t>
-            </a:r>
-            <a:r>
-              <a:rPr lang="en-US" sz="2800" dirty="0" err="1">
-                <a:latin typeface="Franklin Gothic Demi" pitchFamily="34" charset="0"/>
-              </a:rPr>
-              <a:t>Nr_Facturi</a:t>
-            </a:r>
-            <a:endParaRPr lang="en-US" sz="2800" dirty="0">
-              <a:latin typeface="Franklin Gothic Demi" pitchFamily="34" charset="0"/>
-            </a:endParaRPr>
-          </a:p>
-          <a:p>
-            <a:pPr>
-              <a:buNone/>
-            </a:pPr>
-            <a:r>
-              <a:rPr lang="en-US" sz="2800" dirty="0">
-                <a:latin typeface="Franklin Gothic Demi" pitchFamily="34" charset="0"/>
-              </a:rPr>
-              <a:t>FROM </a:t>
-            </a:r>
-          </a:p>
-          <a:p>
-            <a:pPr>
-              <a:buNone/>
-            </a:pPr>
-            <a:r>
-              <a:rPr lang="en-US" sz="2800" dirty="0">
-                <a:latin typeface="Franklin Gothic Demi" pitchFamily="34" charset="0"/>
-              </a:rPr>
-              <a:t>	</a:t>
-            </a:r>
-            <a:r>
-              <a:rPr lang="en-US" sz="2800" dirty="0">
-                <a:solidFill>
-                  <a:srgbClr val="FF0000"/>
-                </a:solidFill>
-                <a:latin typeface="Franklin Gothic Demi" pitchFamily="34" charset="0"/>
-              </a:rPr>
-              <a:t>(SELECT 0 AS </a:t>
-            </a:r>
-            <a:r>
-              <a:rPr lang="en-US" sz="2800" dirty="0" err="1">
-                <a:solidFill>
-                  <a:srgbClr val="FF0000"/>
-                </a:solidFill>
-                <a:latin typeface="Franklin Gothic Demi" pitchFamily="34" charset="0"/>
-              </a:rPr>
-              <a:t>LimInf</a:t>
-            </a:r>
-            <a:r>
-              <a:rPr lang="en-US" sz="2800" dirty="0">
-                <a:solidFill>
-                  <a:srgbClr val="FF0000"/>
-                </a:solidFill>
-                <a:latin typeface="Franklin Gothic Demi" pitchFamily="34" charset="0"/>
-              </a:rPr>
-              <a:t> , 100000 AS </a:t>
-            </a:r>
-            <a:r>
-              <a:rPr lang="en-US" sz="2800" dirty="0" err="1">
-                <a:solidFill>
-                  <a:srgbClr val="FF0000"/>
-                </a:solidFill>
-                <a:latin typeface="Franklin Gothic Demi" pitchFamily="34" charset="0"/>
-              </a:rPr>
-              <a:t>LimSup</a:t>
-            </a:r>
-            <a:r>
-              <a:rPr lang="en-US" sz="2800" dirty="0">
-                <a:solidFill>
-                  <a:srgbClr val="FF0000"/>
-                </a:solidFill>
-                <a:latin typeface="Franklin Gothic Demi" pitchFamily="34" charset="0"/>
-              </a:rPr>
-              <a:t> FROM dual UNION</a:t>
-            </a:r>
-          </a:p>
-          <a:p>
-            <a:pPr>
-              <a:buNone/>
-            </a:pPr>
-            <a:r>
-              <a:rPr lang="en-US" sz="2800" dirty="0">
-                <a:solidFill>
-                  <a:srgbClr val="FF0000"/>
-                </a:solidFill>
-                <a:latin typeface="Franklin Gothic Demi" pitchFamily="34" charset="0"/>
-              </a:rPr>
-              <a:t>	 SELECT 100001, 200000 FROM dual UNION </a:t>
-            </a:r>
-          </a:p>
-          <a:p>
-            <a:pPr>
-              <a:buNone/>
-            </a:pPr>
-            <a:r>
-              <a:rPr lang="en-US" sz="2800" dirty="0">
-                <a:solidFill>
-                  <a:srgbClr val="FF0000"/>
-                </a:solidFill>
-                <a:latin typeface="Franklin Gothic Demi" pitchFamily="34" charset="0"/>
-              </a:rPr>
-              <a:t>	 SELECT 200001, 500000), FROM dual UNION</a:t>
-            </a:r>
-          </a:p>
-          <a:p>
-            <a:pPr>
-              <a:buNone/>
-            </a:pPr>
-            <a:r>
-              <a:rPr lang="en-US" sz="2800" dirty="0">
-                <a:solidFill>
-                  <a:srgbClr val="FF0000"/>
-                </a:solidFill>
-                <a:latin typeface="Franklin Gothic Demi" pitchFamily="34" charset="0"/>
-              </a:rPr>
-              <a:t>	 SELECT500001, 1000000), FROM dual UNION SELECT1000001, 99999999) </a:t>
-            </a:r>
-            <a:r>
-              <a:rPr lang="en-US" sz="2800" dirty="0" err="1">
-                <a:solidFill>
-                  <a:srgbClr val="FF0000"/>
-                </a:solidFill>
-                <a:latin typeface="Franklin Gothic Demi" pitchFamily="34" charset="0"/>
-              </a:rPr>
-              <a:t>intervale</a:t>
-            </a:r>
-            <a:endParaRPr lang="en-US" sz="2800" dirty="0">
-              <a:solidFill>
-                <a:srgbClr val="FF0000"/>
-              </a:solidFill>
-              <a:latin typeface="Franklin Gothic Demi" pitchFamily="34" charset="0"/>
-            </a:endParaRPr>
-          </a:p>
-          <a:p>
-            <a:pPr>
-              <a:buNone/>
-            </a:pPr>
-            <a:r>
-              <a:rPr lang="en-US" sz="2800" dirty="0">
-                <a:latin typeface="Franklin Gothic Demi" pitchFamily="34" charset="0"/>
-              </a:rPr>
-              <a:t>  LEFT OUTER JOIN</a:t>
-            </a:r>
-          </a:p>
-          <a:p>
-            <a:pPr>
-              <a:buNone/>
-            </a:pPr>
-            <a:r>
-              <a:rPr lang="en-US" sz="2800" dirty="0">
-                <a:latin typeface="Franklin Gothic Demi" pitchFamily="34" charset="0"/>
-              </a:rPr>
-              <a:t>      </a:t>
-            </a:r>
-            <a:r>
-              <a:rPr lang="en-US" sz="2800" dirty="0">
-                <a:solidFill>
-                  <a:schemeClr val="accent2">
-                    <a:lumMod val="50000"/>
-                  </a:schemeClr>
-                </a:solidFill>
-                <a:latin typeface="Franklin Gothic Demi" pitchFamily="34" charset="0"/>
-              </a:rPr>
-              <a:t>(SELECT </a:t>
-            </a:r>
-            <a:r>
-              <a:rPr lang="en-US" sz="2800" dirty="0" err="1">
-                <a:solidFill>
-                  <a:schemeClr val="accent2">
-                    <a:lumMod val="50000"/>
-                  </a:schemeClr>
-                </a:solidFill>
-                <a:latin typeface="Franklin Gothic Demi" pitchFamily="34" charset="0"/>
-              </a:rPr>
-              <a:t>f.NrFact</a:t>
-            </a:r>
-            <a:r>
-              <a:rPr lang="en-US" sz="2800" dirty="0">
-                <a:solidFill>
-                  <a:schemeClr val="accent2">
-                    <a:lumMod val="50000"/>
-                  </a:schemeClr>
-                </a:solidFill>
-                <a:latin typeface="Franklin Gothic Demi" pitchFamily="34" charset="0"/>
-              </a:rPr>
-              <a:t>, SUM(</a:t>
-            </a:r>
-            <a:r>
-              <a:rPr lang="en-US" sz="2800" dirty="0" err="1">
-                <a:solidFill>
-                  <a:schemeClr val="accent2">
-                    <a:lumMod val="50000"/>
-                  </a:schemeClr>
-                </a:solidFill>
-                <a:latin typeface="Franklin Gothic Demi" pitchFamily="34" charset="0"/>
-              </a:rPr>
-              <a:t>Cantitate</a:t>
-            </a:r>
-            <a:r>
-              <a:rPr lang="en-US" sz="2800" dirty="0">
-                <a:solidFill>
-                  <a:schemeClr val="accent2">
-                    <a:lumMod val="50000"/>
-                  </a:schemeClr>
-                </a:solidFill>
-                <a:latin typeface="Franklin Gothic Demi" pitchFamily="34" charset="0"/>
-              </a:rPr>
-              <a:t> * </a:t>
-            </a:r>
-            <a:r>
-              <a:rPr lang="en-US" sz="2800" dirty="0" err="1">
-                <a:solidFill>
-                  <a:schemeClr val="accent2">
-                    <a:lumMod val="50000"/>
-                  </a:schemeClr>
-                </a:solidFill>
-                <a:latin typeface="Franklin Gothic Demi" pitchFamily="34" charset="0"/>
-              </a:rPr>
-              <a:t>PretUnit</a:t>
-            </a:r>
-            <a:r>
-              <a:rPr lang="en-US" sz="2800" dirty="0">
-                <a:solidFill>
-                  <a:schemeClr val="accent2">
-                    <a:lumMod val="50000"/>
-                  </a:schemeClr>
-                </a:solidFill>
-                <a:latin typeface="Franklin Gothic Demi" pitchFamily="34" charset="0"/>
-              </a:rPr>
-              <a:t> * (</a:t>
-            </a:r>
-            <a:r>
-              <a:rPr lang="en-US" sz="2800" dirty="0" err="1">
-                <a:solidFill>
-                  <a:schemeClr val="accent2">
-                    <a:lumMod val="50000"/>
-                  </a:schemeClr>
-                </a:solidFill>
-                <a:latin typeface="Franklin Gothic Demi" pitchFamily="34" charset="0"/>
-              </a:rPr>
-              <a:t>1+ProcTVA</a:t>
-            </a:r>
-            <a:r>
-              <a:rPr lang="en-US" sz="2800" dirty="0">
-                <a:solidFill>
-                  <a:schemeClr val="accent2">
-                    <a:lumMod val="50000"/>
-                  </a:schemeClr>
-                </a:solidFill>
-                <a:latin typeface="Franklin Gothic Demi" pitchFamily="34" charset="0"/>
-              </a:rPr>
-              <a:t>)) </a:t>
-            </a:r>
-            <a:endParaRPr lang="ro-RO" sz="2800" dirty="0">
-              <a:solidFill>
-                <a:schemeClr val="accent2">
-                  <a:lumMod val="50000"/>
-                </a:schemeClr>
-              </a:solidFill>
-              <a:latin typeface="Franklin Gothic Demi" pitchFamily="34" charset="0"/>
-            </a:endParaRPr>
-          </a:p>
-          <a:p>
-            <a:pPr>
-              <a:buNone/>
-            </a:pPr>
-            <a:r>
-              <a:rPr lang="ro-RO" sz="2800" dirty="0">
-                <a:solidFill>
-                  <a:schemeClr val="accent2">
-                    <a:lumMod val="50000"/>
-                  </a:schemeClr>
-                </a:solidFill>
-                <a:latin typeface="Franklin Gothic Demi" pitchFamily="34" charset="0"/>
-              </a:rPr>
-              <a:t>			</a:t>
-            </a:r>
-            <a:r>
-              <a:rPr lang="en-US" sz="2800" dirty="0">
-                <a:solidFill>
-                  <a:schemeClr val="accent2">
-                    <a:lumMod val="50000"/>
-                  </a:schemeClr>
-                </a:solidFill>
-                <a:latin typeface="Franklin Gothic Demi" pitchFamily="34" charset="0"/>
-              </a:rPr>
-              <a:t>AS </a:t>
-            </a:r>
-            <a:r>
-              <a:rPr lang="en-US" sz="2800" dirty="0" err="1">
-                <a:solidFill>
-                  <a:schemeClr val="accent2">
-                    <a:lumMod val="50000"/>
-                  </a:schemeClr>
-                </a:solidFill>
-                <a:latin typeface="Franklin Gothic Demi" pitchFamily="34" charset="0"/>
-              </a:rPr>
-              <a:t>ValFact</a:t>
-            </a:r>
-            <a:r>
-              <a:rPr lang="en-US" sz="2800" dirty="0">
-                <a:solidFill>
-                  <a:schemeClr val="accent2">
-                    <a:lumMod val="50000"/>
-                  </a:schemeClr>
-                </a:solidFill>
-                <a:latin typeface="Franklin Gothic Demi" pitchFamily="34" charset="0"/>
-              </a:rPr>
-              <a:t> </a:t>
-            </a:r>
-          </a:p>
-          <a:p>
-            <a:pPr>
-              <a:buNone/>
-            </a:pPr>
-            <a:r>
-              <a:rPr lang="en-US" sz="2800" dirty="0">
-                <a:solidFill>
-                  <a:schemeClr val="accent2">
-                    <a:lumMod val="50000"/>
-                  </a:schemeClr>
-                </a:solidFill>
-                <a:latin typeface="Franklin Gothic Demi" pitchFamily="34" charset="0"/>
-              </a:rPr>
-              <a:t>        FROM </a:t>
-            </a:r>
-            <a:r>
-              <a:rPr lang="en-US" sz="2800" dirty="0" err="1">
-                <a:solidFill>
-                  <a:schemeClr val="accent2">
-                    <a:lumMod val="50000"/>
-                  </a:schemeClr>
-                </a:solidFill>
-                <a:latin typeface="Franklin Gothic Demi" pitchFamily="34" charset="0"/>
-              </a:rPr>
-              <a:t>facturi</a:t>
-            </a:r>
-            <a:r>
-              <a:rPr lang="en-US" sz="2800" dirty="0">
-                <a:solidFill>
-                  <a:schemeClr val="accent2">
-                    <a:lumMod val="50000"/>
-                  </a:schemeClr>
-                </a:solidFill>
-                <a:latin typeface="Franklin Gothic Demi" pitchFamily="34" charset="0"/>
-              </a:rPr>
-              <a:t> f INNER JOIN </a:t>
-            </a:r>
-            <a:r>
-              <a:rPr lang="en-US" sz="2800" dirty="0" err="1">
-                <a:solidFill>
-                  <a:schemeClr val="accent2">
-                    <a:lumMod val="50000"/>
-                  </a:schemeClr>
-                </a:solidFill>
-                <a:latin typeface="Franklin Gothic Demi" pitchFamily="34" charset="0"/>
-              </a:rPr>
-              <a:t>liniifact</a:t>
-            </a:r>
-            <a:r>
-              <a:rPr lang="en-US" sz="2800" dirty="0">
-                <a:solidFill>
-                  <a:schemeClr val="accent2">
-                    <a:lumMod val="50000"/>
-                  </a:schemeClr>
-                </a:solidFill>
-                <a:latin typeface="Franklin Gothic Demi" pitchFamily="34" charset="0"/>
-              </a:rPr>
-              <a:t> lf ON </a:t>
-            </a:r>
-            <a:r>
-              <a:rPr lang="en-US" sz="2800" dirty="0" err="1">
-                <a:solidFill>
-                  <a:schemeClr val="accent2">
-                    <a:lumMod val="50000"/>
-                  </a:schemeClr>
-                </a:solidFill>
-                <a:latin typeface="Franklin Gothic Demi" pitchFamily="34" charset="0"/>
-              </a:rPr>
-              <a:t>lf.NrFact</a:t>
-            </a:r>
-            <a:r>
-              <a:rPr lang="en-US" sz="2800" dirty="0">
-                <a:solidFill>
-                  <a:schemeClr val="accent2">
-                    <a:lumMod val="50000"/>
-                  </a:schemeClr>
-                </a:solidFill>
-                <a:latin typeface="Franklin Gothic Demi" pitchFamily="34" charset="0"/>
-              </a:rPr>
-              <a:t>=</a:t>
-            </a:r>
-            <a:r>
-              <a:rPr lang="en-US" sz="2800" dirty="0" err="1">
-                <a:solidFill>
-                  <a:schemeClr val="accent2">
-                    <a:lumMod val="50000"/>
-                  </a:schemeClr>
-                </a:solidFill>
-                <a:latin typeface="Franklin Gothic Demi" pitchFamily="34" charset="0"/>
-              </a:rPr>
-              <a:t>f.NrFact</a:t>
-            </a:r>
-            <a:endParaRPr lang="en-US" sz="2800" dirty="0">
-              <a:solidFill>
-                <a:schemeClr val="accent2">
-                  <a:lumMod val="50000"/>
-                </a:schemeClr>
-              </a:solidFill>
-              <a:latin typeface="Franklin Gothic Demi" pitchFamily="34" charset="0"/>
-            </a:endParaRPr>
-          </a:p>
-          <a:p>
-            <a:pPr>
-              <a:buNone/>
-            </a:pPr>
-            <a:r>
-              <a:rPr lang="en-US" sz="2800" dirty="0">
-                <a:solidFill>
-                  <a:schemeClr val="accent2">
-                    <a:lumMod val="50000"/>
-                  </a:schemeClr>
-                </a:solidFill>
-                <a:latin typeface="Franklin Gothic Demi" pitchFamily="34" charset="0"/>
-              </a:rPr>
-              <a:t>         		 INNER JOIN </a:t>
-            </a:r>
-            <a:r>
-              <a:rPr lang="en-US" sz="2800" dirty="0" err="1">
-                <a:solidFill>
-                  <a:schemeClr val="accent2">
-                    <a:lumMod val="50000"/>
-                  </a:schemeClr>
-                </a:solidFill>
-                <a:latin typeface="Franklin Gothic Demi" pitchFamily="34" charset="0"/>
-              </a:rPr>
-              <a:t>produse</a:t>
-            </a:r>
-            <a:r>
-              <a:rPr lang="en-US" sz="2800" dirty="0">
-                <a:solidFill>
-                  <a:schemeClr val="accent2">
-                    <a:lumMod val="50000"/>
-                  </a:schemeClr>
-                </a:solidFill>
-                <a:latin typeface="Franklin Gothic Demi" pitchFamily="34" charset="0"/>
-              </a:rPr>
-              <a:t> p ON </a:t>
-            </a:r>
-            <a:r>
-              <a:rPr lang="en-US" sz="2800" dirty="0" err="1">
-                <a:solidFill>
-                  <a:schemeClr val="accent2">
-                    <a:lumMod val="50000"/>
-                  </a:schemeClr>
-                </a:solidFill>
-                <a:latin typeface="Franklin Gothic Demi" pitchFamily="34" charset="0"/>
-              </a:rPr>
-              <a:t>lf.CodPr</a:t>
-            </a:r>
-            <a:r>
-              <a:rPr lang="en-US" sz="2800" dirty="0">
-                <a:solidFill>
-                  <a:schemeClr val="accent2">
-                    <a:lumMod val="50000"/>
-                  </a:schemeClr>
-                </a:solidFill>
-                <a:latin typeface="Franklin Gothic Demi" pitchFamily="34" charset="0"/>
-              </a:rPr>
-              <a:t>=</a:t>
-            </a:r>
-            <a:r>
-              <a:rPr lang="en-US" sz="2800" dirty="0" err="1">
-                <a:solidFill>
-                  <a:schemeClr val="accent2">
-                    <a:lumMod val="50000"/>
-                  </a:schemeClr>
-                </a:solidFill>
-                <a:latin typeface="Franklin Gothic Demi" pitchFamily="34" charset="0"/>
-              </a:rPr>
-              <a:t>p.CodPr</a:t>
-            </a:r>
-            <a:endParaRPr lang="en-US" sz="2800" dirty="0">
-              <a:solidFill>
-                <a:schemeClr val="accent2">
-                  <a:lumMod val="50000"/>
-                </a:schemeClr>
-              </a:solidFill>
-              <a:latin typeface="Franklin Gothic Demi" pitchFamily="34" charset="0"/>
-            </a:endParaRPr>
-          </a:p>
-          <a:p>
-            <a:pPr>
-              <a:buNone/>
-            </a:pPr>
-            <a:r>
-              <a:rPr lang="en-US" sz="2800" dirty="0">
-                <a:solidFill>
-                  <a:schemeClr val="accent2">
-                    <a:lumMod val="50000"/>
-                  </a:schemeClr>
-                </a:solidFill>
-                <a:latin typeface="Franklin Gothic Demi" pitchFamily="34" charset="0"/>
-              </a:rPr>
-              <a:t>        GROUP BY </a:t>
-            </a:r>
-            <a:r>
-              <a:rPr lang="en-US" sz="2800" dirty="0" err="1">
-                <a:solidFill>
-                  <a:schemeClr val="accent2">
-                    <a:lumMod val="50000"/>
-                  </a:schemeClr>
-                </a:solidFill>
-                <a:latin typeface="Franklin Gothic Demi" pitchFamily="34" charset="0"/>
-              </a:rPr>
-              <a:t>f.NrFact</a:t>
-            </a:r>
-            <a:r>
-              <a:rPr lang="en-US" sz="2800" dirty="0">
-                <a:solidFill>
-                  <a:schemeClr val="accent2">
-                    <a:lumMod val="50000"/>
-                  </a:schemeClr>
-                </a:solidFill>
-                <a:latin typeface="Franklin Gothic Demi" pitchFamily="34" charset="0"/>
-              </a:rPr>
-              <a:t> </a:t>
-            </a:r>
-          </a:p>
-          <a:p>
-            <a:pPr>
-              <a:buNone/>
-            </a:pPr>
-            <a:r>
-              <a:rPr lang="en-US" sz="2800" dirty="0">
-                <a:solidFill>
-                  <a:schemeClr val="accent2">
-                    <a:lumMod val="50000"/>
-                  </a:schemeClr>
-                </a:solidFill>
-                <a:latin typeface="Franklin Gothic Demi" pitchFamily="34" charset="0"/>
-              </a:rPr>
-              <a:t>	    ) fact  </a:t>
-            </a:r>
-            <a:r>
-              <a:rPr lang="en-US" sz="2800" dirty="0">
-                <a:latin typeface="Franklin Gothic Demi" pitchFamily="34" charset="0"/>
-              </a:rPr>
-              <a:t>ON  </a:t>
-            </a:r>
-            <a:r>
-              <a:rPr lang="en-US" sz="2800" dirty="0" err="1">
-                <a:solidFill>
-                  <a:schemeClr val="accent2">
-                    <a:lumMod val="50000"/>
-                  </a:schemeClr>
-                </a:solidFill>
-                <a:latin typeface="Franklin Gothic Demi" pitchFamily="34" charset="0"/>
-              </a:rPr>
-              <a:t>ValFact</a:t>
-            </a:r>
-            <a:r>
-              <a:rPr lang="en-US" sz="2800" dirty="0">
-                <a:latin typeface="Franklin Gothic Demi" pitchFamily="34" charset="0"/>
-              </a:rPr>
-              <a:t> BETWEEN </a:t>
-            </a:r>
-            <a:r>
-              <a:rPr lang="en-US" sz="2800" dirty="0" err="1">
-                <a:solidFill>
-                  <a:srgbClr val="FF0000"/>
-                </a:solidFill>
-                <a:latin typeface="Franklin Gothic Demi" pitchFamily="34" charset="0"/>
-              </a:rPr>
-              <a:t>LimInf</a:t>
-            </a:r>
-            <a:r>
-              <a:rPr lang="en-US" sz="2800" dirty="0">
-                <a:latin typeface="Franklin Gothic Demi" pitchFamily="34" charset="0"/>
-              </a:rPr>
-              <a:t> AND </a:t>
-            </a:r>
-            <a:r>
-              <a:rPr lang="en-US" sz="2800" dirty="0" err="1">
-                <a:solidFill>
-                  <a:srgbClr val="FF0000"/>
-                </a:solidFill>
-                <a:latin typeface="Franklin Gothic Demi" pitchFamily="34" charset="0"/>
-              </a:rPr>
-              <a:t>LimSup</a:t>
-            </a:r>
-            <a:endParaRPr lang="en-US" sz="2800" dirty="0">
-              <a:solidFill>
-                <a:srgbClr val="FF0000"/>
-              </a:solidFill>
-              <a:latin typeface="Franklin Gothic Demi" pitchFamily="34" charset="0"/>
-            </a:endParaRPr>
-          </a:p>
-          <a:p>
-            <a:pPr>
-              <a:buNone/>
-            </a:pPr>
-            <a:r>
-              <a:rPr lang="en-US" sz="2800" dirty="0">
-                <a:latin typeface="Franklin Gothic Demi" pitchFamily="34" charset="0"/>
-              </a:rPr>
-              <a:t>GROUP BY </a:t>
-            </a:r>
-            <a:r>
-              <a:rPr lang="en-US" sz="2800" dirty="0" err="1">
-                <a:solidFill>
-                  <a:srgbClr val="FF0000"/>
-                </a:solidFill>
-                <a:latin typeface="Franklin Gothic Demi" pitchFamily="34" charset="0"/>
-              </a:rPr>
-              <a:t>LimInf</a:t>
-            </a:r>
-            <a:r>
-              <a:rPr lang="en-US" sz="2800" dirty="0">
-                <a:latin typeface="Franklin Gothic Demi" pitchFamily="34" charset="0"/>
-              </a:rPr>
-              <a:t>, </a:t>
-            </a:r>
-            <a:r>
-              <a:rPr lang="en-US" sz="2800" dirty="0" err="1">
-                <a:solidFill>
-                  <a:srgbClr val="FF0000"/>
-                </a:solidFill>
-                <a:latin typeface="Franklin Gothic Demi" pitchFamily="34" charset="0"/>
-              </a:rPr>
-              <a:t>LimSup</a:t>
-            </a:r>
-            <a:r>
-              <a:rPr lang="ro-RO" sz="2800" dirty="0">
-                <a:solidFill>
-                  <a:srgbClr val="FF0000"/>
-                </a:solidFill>
-                <a:latin typeface="Franklin Gothic Demi" pitchFamily="34" charset="0"/>
-              </a:rPr>
-              <a:t>      </a:t>
-            </a:r>
-            <a:r>
-              <a:rPr lang="en-US" sz="2800" dirty="0">
-                <a:latin typeface="Franklin Gothic Demi" pitchFamily="34" charset="0"/>
-              </a:rPr>
-              <a:t>ORDER BY </a:t>
-            </a:r>
-            <a:r>
-              <a:rPr lang="en-US" sz="2800" dirty="0" err="1">
-                <a:solidFill>
-                  <a:srgbClr val="FF0000"/>
-                </a:solidFill>
-                <a:latin typeface="Franklin Gothic Demi" pitchFamily="34" charset="0"/>
-              </a:rPr>
-              <a:t>LimInf</a:t>
-            </a:r>
-            <a:r>
-              <a:rPr lang="en-US" sz="2800" dirty="0">
-                <a:latin typeface="Franklin Gothic Demi" pitchFamily="34" charset="0"/>
-              </a:rPr>
-              <a:t>, </a:t>
-            </a:r>
-            <a:r>
-              <a:rPr lang="en-US" sz="2800" dirty="0" err="1">
-                <a:solidFill>
-                  <a:srgbClr val="FF0000"/>
-                </a:solidFill>
-                <a:latin typeface="Franklin Gothic Demi" pitchFamily="34" charset="0"/>
-              </a:rPr>
-              <a:t>LimSup</a:t>
-            </a:r>
-            <a:endParaRPr lang="en-US" sz="2800" dirty="0">
-              <a:solidFill>
-                <a:srgbClr val="FF0000"/>
-              </a:solidFill>
-              <a:latin typeface="Franklin Gothic Demi" pitchFamily="34" charset="0"/>
-            </a:endParaRPr>
-          </a:p>
-        </p:txBody>
-      </p:sp>
-    </p:spTree>
-    <p:extLst>
-      <p:ext uri="{BB962C8B-B14F-4D97-AF65-F5344CB8AC3E}">
-        <p14:creationId xmlns:p14="http://schemas.microsoft.com/office/powerpoint/2010/main" val="130740724"/>
-      </p:ext>
-    </p:extLst>
-  </p:cSld>
-  <p:clrMapOvr>
-    <a:masterClrMapping/>
-  </p:clrMapOvr>
-  <p:transition>
-    <p:random/>
-  </p:transition>
-</p:sld>
-</file>
-
 <file path=ppt/slides/slide15.xml><?xml version="1.0" encoding="utf-8"?>
 <p:sld xmlns:a="http://schemas.openxmlformats.org/drawingml/2006/main" xmlns:r="http://schemas.openxmlformats.org/officeDocument/2006/relationships" xmlns:p="http://schemas.openxmlformats.org/presentationml/2006/main">
   <p:cSld>
@@ -7198,7 +5911,7 @@
         </p:spPr>
         <p:txBody>
           <a:bodyPr anchor="ctr">
-            <a:normAutofit/>
+            <a:normAutofit fontScale="90000"/>
           </a:bodyPr>
           <a:lstStyle/>
           <a:p>
@@ -7209,7 +5922,7 @@
                 <a:ea typeface="Arial Unicode MS" panose="020B0604020202020204" pitchFamily="34" charset="-128"/>
                 <a:cs typeface="Arial Unicode MS" panose="020B0604020202020204" pitchFamily="34" charset="-128"/>
               </a:rPr>
-              <a:t>Generating series in SQL queries</a:t>
+              <a:t>Ad-hoc values in FROM clause – PostgreSQL </a:t>
             </a:r>
           </a:p>
         </p:txBody>
@@ -7226,13 +5939,13 @@
         </p:nvSpPr>
         <p:spPr>
           <a:xfrm>
-            <a:off x="631874" y="1295400"/>
-            <a:ext cx="8534400" cy="5562600"/>
+            <a:off x="631874" y="1676400"/>
+            <a:ext cx="8534400" cy="5181600"/>
           </a:xfrm>
         </p:spPr>
         <p:txBody>
           <a:bodyPr>
-            <a:normAutofit fontScale="92500"/>
+            <a:normAutofit fontScale="77500" lnSpcReduction="20000"/>
           </a:bodyPr>
           <a:lstStyle/>
           <a:p>
@@ -7243,60 +5956,200 @@
               <a:rPr lang="en-US" sz="2800" dirty="0">
                 <a:latin typeface="Franklin Gothic Demi" pitchFamily="34" charset="0"/>
               </a:rPr>
-              <a:t>Problem: generate an ad-hoc table with 10 rows, each row having a single attribute whose value is 1, 2, ..., 10</a:t>
-            </a:r>
+              <a:t>SELECT </a:t>
+            </a:r>
+            <a:r>
+              <a:rPr lang="en-US" sz="2800" dirty="0" err="1">
+                <a:solidFill>
+                  <a:srgbClr val="FF0000"/>
+                </a:solidFill>
+                <a:latin typeface="Franklin Gothic Demi" pitchFamily="34" charset="0"/>
+              </a:rPr>
+              <a:t>LimInf</a:t>
+            </a:r>
+            <a:r>
+              <a:rPr lang="en-US" sz="2800" dirty="0">
+                <a:latin typeface="Franklin Gothic Demi" pitchFamily="34" charset="0"/>
+              </a:rPr>
+              <a:t>, </a:t>
+            </a:r>
+            <a:r>
+              <a:rPr lang="en-US" sz="2800" dirty="0" err="1">
+                <a:solidFill>
+                  <a:srgbClr val="FF0000"/>
+                </a:solidFill>
+                <a:latin typeface="Franklin Gothic Demi" pitchFamily="34" charset="0"/>
+              </a:rPr>
+              <a:t>LimSup</a:t>
+            </a:r>
+            <a:r>
+              <a:rPr lang="en-US" sz="2800" dirty="0">
+                <a:latin typeface="Franklin Gothic Demi" pitchFamily="34" charset="0"/>
+              </a:rPr>
+              <a:t>, COUNT(</a:t>
+            </a:r>
+            <a:r>
+              <a:rPr lang="en-US" sz="2800" dirty="0" err="1">
+                <a:solidFill>
+                  <a:schemeClr val="accent2">
+                    <a:lumMod val="50000"/>
+                  </a:schemeClr>
+                </a:solidFill>
+                <a:latin typeface="Franklin Gothic Demi" pitchFamily="34" charset="0"/>
+              </a:rPr>
+              <a:t>fact.ValFact</a:t>
+            </a:r>
+            <a:r>
+              <a:rPr lang="en-US" sz="2800" dirty="0">
+                <a:latin typeface="Franklin Gothic Demi" pitchFamily="34" charset="0"/>
+              </a:rPr>
+              <a:t>) AS </a:t>
+            </a:r>
+            <a:r>
+              <a:rPr lang="en-US" sz="2800" dirty="0" err="1">
+                <a:latin typeface="Franklin Gothic Demi" pitchFamily="34" charset="0"/>
+              </a:rPr>
+              <a:t>Nr_Facturi</a:t>
+            </a:r>
+            <a:endParaRPr lang="en-US" sz="2800" dirty="0">
+              <a:latin typeface="Franklin Gothic Demi" pitchFamily="34" charset="0"/>
+            </a:endParaRPr>
           </a:p>
           <a:p>
             <a:pPr>
-              <a:buFontTx/>
-              <a:buChar char="•"/>
+              <a:buNone/>
             </a:pPr>
             <a:r>
               <a:rPr lang="en-US" sz="2800" dirty="0">
                 <a:latin typeface="Franklin Gothic Demi" pitchFamily="34" charset="0"/>
               </a:rPr>
-              <a:t>In PostgreSQL we can use </a:t>
-            </a:r>
+              <a:t>FROM </a:t>
+            </a:r>
+          </a:p>
+          <a:p>
+            <a:pPr>
+              <a:buNone/>
+            </a:pPr>
             <a:r>
               <a:rPr lang="en-US" sz="2800" dirty="0">
-                <a:solidFill>
-                  <a:srgbClr val="0000FF"/>
-                </a:solidFill>
-                <a:latin typeface="Franklin Gothic Demi" pitchFamily="34" charset="0"/>
-              </a:rPr>
-              <a:t>GENERATE_SERIES</a:t>
+                <a:latin typeface="Franklin Gothic Demi" pitchFamily="34" charset="0"/>
+              </a:rPr>
+              <a:t>	</a:t>
             </a:r>
             <a:r>
               <a:rPr lang="en-US" sz="2800" dirty="0">
-                <a:latin typeface="Franklin Gothic Demi" pitchFamily="34" charset="0"/>
-              </a:rPr>
-              <a:t> function</a:t>
+                <a:solidFill>
+                  <a:srgbClr val="FF0000"/>
+                </a:solidFill>
+                <a:latin typeface="Franklin Gothic Demi" pitchFamily="34" charset="0"/>
+              </a:rPr>
+              <a:t>(VALUES (0, 100000) , (100001, 200000), (200001, 500000), </a:t>
             </a:r>
           </a:p>
           <a:p>
             <a:pPr>
-              <a:buFontTx/>
-              <a:buChar char="•"/>
+              <a:buNone/>
             </a:pPr>
             <a:r>
               <a:rPr lang="en-US" sz="2800" dirty="0">
-                <a:latin typeface="Franklin Gothic Demi" pitchFamily="34" charset="0"/>
-              </a:rPr>
-              <a:t>Solution 1 in Oracle</a:t>
-            </a:r>
+                <a:solidFill>
+                  <a:srgbClr val="FF0000"/>
+                </a:solidFill>
+                <a:latin typeface="Franklin Gothic Demi" pitchFamily="34" charset="0"/>
+              </a:rPr>
+              <a:t>	     </a:t>
+            </a:r>
+            <a:r>
+              <a:rPr lang="ro-RO" sz="2800" dirty="0">
+                <a:solidFill>
+                  <a:srgbClr val="FF0000"/>
+                </a:solidFill>
+                <a:latin typeface="Franklin Gothic Demi" pitchFamily="34" charset="0"/>
+              </a:rPr>
+              <a:t>	</a:t>
+            </a:r>
+            <a:r>
+              <a:rPr lang="en-US" sz="2800" dirty="0">
+                <a:solidFill>
+                  <a:srgbClr val="FF0000"/>
+                </a:solidFill>
+                <a:latin typeface="Franklin Gothic Demi" pitchFamily="34" charset="0"/>
+              </a:rPr>
+              <a:t>(500001, 1000000), (1000001, 99999999) ) </a:t>
+            </a:r>
+            <a:endParaRPr lang="ro-RO" sz="2800" dirty="0">
+              <a:solidFill>
+                <a:srgbClr val="FF0000"/>
+              </a:solidFill>
+              <a:latin typeface="Franklin Gothic Demi" pitchFamily="34" charset="0"/>
+            </a:endParaRPr>
           </a:p>
           <a:p>
             <a:pPr>
               <a:buNone/>
             </a:pPr>
             <a:r>
+              <a:rPr lang="ro-RO" sz="2800" dirty="0">
+                <a:solidFill>
+                  <a:srgbClr val="FF0000"/>
+                </a:solidFill>
+                <a:latin typeface="Franklin Gothic Demi" pitchFamily="34" charset="0"/>
+              </a:rPr>
+              <a:t>			</a:t>
+            </a:r>
+            <a:r>
+              <a:rPr lang="en-US" sz="2800" dirty="0" err="1">
+                <a:solidFill>
+                  <a:srgbClr val="FF0000"/>
+                </a:solidFill>
+                <a:latin typeface="Franklin Gothic Demi" pitchFamily="34" charset="0"/>
+              </a:rPr>
+              <a:t>intervale</a:t>
+            </a:r>
+            <a:r>
               <a:rPr lang="en-US" sz="2800" dirty="0">
                 <a:solidFill>
-                  <a:srgbClr val="0000FF"/>
-                </a:solidFill>
-                <a:latin typeface="Franklin Gothic Demi" pitchFamily="34" charset="0"/>
-              </a:rPr>
-              <a:t>SELECT rownum n</a:t>
+                  <a:srgbClr val="FF0000"/>
+                </a:solidFill>
+                <a:latin typeface="Franklin Gothic Demi" pitchFamily="34" charset="0"/>
+              </a:rPr>
+              <a:t> (</a:t>
+            </a:r>
+            <a:r>
+              <a:rPr lang="en-US" sz="2800" dirty="0" err="1">
+                <a:solidFill>
+                  <a:srgbClr val="FF0000"/>
+                </a:solidFill>
+                <a:latin typeface="Franklin Gothic Demi" pitchFamily="34" charset="0"/>
+              </a:rPr>
+              <a:t>LimInf</a:t>
+            </a:r>
+            <a:r>
+              <a:rPr lang="en-US" sz="2800" dirty="0">
+                <a:solidFill>
+                  <a:srgbClr val="FF0000"/>
+                </a:solidFill>
+                <a:latin typeface="Franklin Gothic Demi" pitchFamily="34" charset="0"/>
+              </a:rPr>
+              <a:t>, </a:t>
+            </a:r>
+            <a:r>
+              <a:rPr lang="en-US" sz="2800" dirty="0" err="1">
+                <a:solidFill>
+                  <a:srgbClr val="FF0000"/>
+                </a:solidFill>
+                <a:latin typeface="Franklin Gothic Demi" pitchFamily="34" charset="0"/>
+              </a:rPr>
+              <a:t>LimSup</a:t>
+            </a:r>
+            <a:r>
+              <a:rPr lang="en-US" sz="2800" dirty="0">
+                <a:solidFill>
+                  <a:srgbClr val="FF0000"/>
+                </a:solidFill>
+                <a:latin typeface="Franklin Gothic Demi" pitchFamily="34" charset="0"/>
+              </a:rPr>
+              <a:t>)</a:t>
             </a:r>
           </a:p>
           <a:p>
@@ -7305,12 +6158,9 @@
             </a:pPr>
             <a:r>
               <a:rPr lang="en-US" sz="2800" dirty="0">
-                <a:solidFill>
-                  <a:srgbClr val="0000FF"/>
-                </a:solidFill>
-                <a:latin typeface="Franklin Gothic Demi" pitchFamily="34" charset="0"/>
-              </a:rPr>
-              <a:t>FROM dual</a:t>
+                <a:latin typeface="Franklin Gothic Demi" pitchFamily="34" charset="0"/>
+              </a:rPr>
+              <a:t>  LEFT OUTER JOIN</a:t>
             </a:r>
           </a:p>
           <a:p>
@@ -7319,24 +6169,165 @@
             </a:pPr>
             <a:r>
               <a:rPr lang="en-US" sz="2800" dirty="0">
-                <a:solidFill>
-                  <a:srgbClr val="0000FF"/>
-                </a:solidFill>
-                <a:latin typeface="Franklin Gothic Demi" pitchFamily="34" charset="0"/>
-              </a:rPr>
-              <a:t>CONNECT BY rownum &lt;= 10</a:t>
-            </a:r>
+                <a:latin typeface="Franklin Gothic Demi" pitchFamily="34" charset="0"/>
+              </a:rPr>
+              <a:t>      </a:t>
+            </a:r>
+            <a:r>
+              <a:rPr lang="en-US" sz="2800" dirty="0">
+                <a:solidFill>
+                  <a:schemeClr val="accent2">
+                    <a:lumMod val="50000"/>
+                  </a:schemeClr>
+                </a:solidFill>
+                <a:latin typeface="Franklin Gothic Demi" pitchFamily="34" charset="0"/>
+              </a:rPr>
+              <a:t>(SELECT </a:t>
+            </a:r>
+            <a:r>
+              <a:rPr lang="en-US" sz="2800" dirty="0" err="1">
+                <a:solidFill>
+                  <a:schemeClr val="accent2">
+                    <a:lumMod val="50000"/>
+                  </a:schemeClr>
+                </a:solidFill>
+                <a:latin typeface="Franklin Gothic Demi" pitchFamily="34" charset="0"/>
+              </a:rPr>
+              <a:t>f.NrFact</a:t>
+            </a:r>
+            <a:r>
+              <a:rPr lang="en-US" sz="2800" dirty="0">
+                <a:solidFill>
+                  <a:schemeClr val="accent2">
+                    <a:lumMod val="50000"/>
+                  </a:schemeClr>
+                </a:solidFill>
+                <a:latin typeface="Franklin Gothic Demi" pitchFamily="34" charset="0"/>
+              </a:rPr>
+              <a:t>, SUM(</a:t>
+            </a:r>
+            <a:r>
+              <a:rPr lang="en-US" sz="2800" dirty="0" err="1">
+                <a:solidFill>
+                  <a:schemeClr val="accent2">
+                    <a:lumMod val="50000"/>
+                  </a:schemeClr>
+                </a:solidFill>
+                <a:latin typeface="Franklin Gothic Demi" pitchFamily="34" charset="0"/>
+              </a:rPr>
+              <a:t>Cantitate</a:t>
+            </a:r>
+            <a:r>
+              <a:rPr lang="en-US" sz="2800" dirty="0">
+                <a:solidFill>
+                  <a:schemeClr val="accent2">
+                    <a:lumMod val="50000"/>
+                  </a:schemeClr>
+                </a:solidFill>
+                <a:latin typeface="Franklin Gothic Demi" pitchFamily="34" charset="0"/>
+              </a:rPr>
+              <a:t> * </a:t>
+            </a:r>
+            <a:r>
+              <a:rPr lang="en-US" sz="2800" dirty="0" err="1">
+                <a:solidFill>
+                  <a:schemeClr val="accent2">
+                    <a:lumMod val="50000"/>
+                  </a:schemeClr>
+                </a:solidFill>
+                <a:latin typeface="Franklin Gothic Demi" pitchFamily="34" charset="0"/>
+              </a:rPr>
+              <a:t>PretUnit</a:t>
+            </a:r>
+            <a:r>
+              <a:rPr lang="en-US" sz="2800" dirty="0">
+                <a:solidFill>
+                  <a:schemeClr val="accent2">
+                    <a:lumMod val="50000"/>
+                  </a:schemeClr>
+                </a:solidFill>
+                <a:latin typeface="Franklin Gothic Demi" pitchFamily="34" charset="0"/>
+              </a:rPr>
+              <a:t> * (</a:t>
+            </a:r>
+            <a:r>
+              <a:rPr lang="en-US" sz="2800" dirty="0" err="1">
+                <a:solidFill>
+                  <a:schemeClr val="accent2">
+                    <a:lumMod val="50000"/>
+                  </a:schemeClr>
+                </a:solidFill>
+                <a:latin typeface="Franklin Gothic Demi" pitchFamily="34" charset="0"/>
+              </a:rPr>
+              <a:t>1+ProcTVA</a:t>
+            </a:r>
+            <a:r>
+              <a:rPr lang="en-US" sz="2800" dirty="0">
+                <a:solidFill>
+                  <a:schemeClr val="accent2">
+                    <a:lumMod val="50000"/>
+                  </a:schemeClr>
+                </a:solidFill>
+                <a:latin typeface="Franklin Gothic Demi" pitchFamily="34" charset="0"/>
+              </a:rPr>
+              <a:t>)) </a:t>
+            </a:r>
+            <a:endParaRPr lang="ro-RO" sz="2800" dirty="0">
+              <a:solidFill>
+                <a:schemeClr val="accent2">
+                  <a:lumMod val="50000"/>
+                </a:schemeClr>
+              </a:solidFill>
+              <a:latin typeface="Franklin Gothic Demi" pitchFamily="34" charset="0"/>
+            </a:endParaRPr>
           </a:p>
           <a:p>
             <a:pPr>
-              <a:buFontTx/>
-              <a:buChar char="•"/>
-            </a:pPr>
+              <a:buNone/>
+            </a:pPr>
+            <a:r>
+              <a:rPr lang="ro-RO" sz="2800" dirty="0">
+                <a:solidFill>
+                  <a:schemeClr val="accent2">
+                    <a:lumMod val="50000"/>
+                  </a:schemeClr>
+                </a:solidFill>
+                <a:latin typeface="Franklin Gothic Demi" pitchFamily="34" charset="0"/>
+              </a:rPr>
+              <a:t>			</a:t>
+            </a:r>
             <a:r>
               <a:rPr lang="en-US" sz="2800" dirty="0">
-                <a:latin typeface="Franklin Gothic Demi" pitchFamily="34" charset="0"/>
-              </a:rPr>
-              <a:t>Solution 2 in Oracle</a:t>
+                <a:solidFill>
+                  <a:schemeClr val="accent2">
+                    <a:lumMod val="50000"/>
+                  </a:schemeClr>
+                </a:solidFill>
+                <a:latin typeface="Franklin Gothic Demi" pitchFamily="34" charset="0"/>
+              </a:rPr>
+              <a:t>AS </a:t>
+            </a:r>
+            <a:r>
+              <a:rPr lang="en-US" sz="2800" dirty="0" err="1">
+                <a:solidFill>
+                  <a:schemeClr val="accent2">
+                    <a:lumMod val="50000"/>
+                  </a:schemeClr>
+                </a:solidFill>
+                <a:latin typeface="Franklin Gothic Demi" pitchFamily="34" charset="0"/>
+              </a:rPr>
+              <a:t>ValFact</a:t>
+            </a:r>
+            <a:r>
+              <a:rPr lang="en-US" sz="2800" dirty="0">
+                <a:solidFill>
+                  <a:schemeClr val="accent2">
+                    <a:lumMod val="50000"/>
+                  </a:schemeClr>
+                </a:solidFill>
+                <a:latin typeface="Franklin Gothic Demi" pitchFamily="34" charset="0"/>
+              </a:rPr>
+              <a:t> </a:t>
             </a:r>
           </a:p>
           <a:p>
@@ -7345,19 +6336,286 @@
             </a:pPr>
             <a:r>
               <a:rPr lang="en-US" sz="2800" dirty="0">
+                <a:solidFill>
+                  <a:schemeClr val="accent2">
+                    <a:lumMod val="50000"/>
+                  </a:schemeClr>
+                </a:solidFill>
+                <a:latin typeface="Franklin Gothic Demi" pitchFamily="34" charset="0"/>
+              </a:rPr>
+              <a:t>        FROM </a:t>
+            </a:r>
+            <a:r>
+              <a:rPr lang="en-US" sz="2800" dirty="0" err="1">
+                <a:solidFill>
+                  <a:schemeClr val="accent2">
+                    <a:lumMod val="50000"/>
+                  </a:schemeClr>
+                </a:solidFill>
+                <a:latin typeface="Franklin Gothic Demi" pitchFamily="34" charset="0"/>
+              </a:rPr>
+              <a:t>facturi</a:t>
+            </a:r>
+            <a:r>
+              <a:rPr lang="en-US" sz="2800" dirty="0">
+                <a:solidFill>
+                  <a:schemeClr val="accent2">
+                    <a:lumMod val="50000"/>
+                  </a:schemeClr>
+                </a:solidFill>
+                <a:latin typeface="Franklin Gothic Demi" pitchFamily="34" charset="0"/>
+              </a:rPr>
+              <a:t> f INNER JOIN </a:t>
+            </a:r>
+            <a:r>
+              <a:rPr lang="en-US" sz="2800" dirty="0" err="1">
+                <a:solidFill>
+                  <a:schemeClr val="accent2">
+                    <a:lumMod val="50000"/>
+                  </a:schemeClr>
+                </a:solidFill>
+                <a:latin typeface="Franklin Gothic Demi" pitchFamily="34" charset="0"/>
+              </a:rPr>
+              <a:t>liniifact</a:t>
+            </a:r>
+            <a:r>
+              <a:rPr lang="en-US" sz="2800" dirty="0">
+                <a:solidFill>
+                  <a:schemeClr val="accent2">
+                    <a:lumMod val="50000"/>
+                  </a:schemeClr>
+                </a:solidFill>
+                <a:latin typeface="Franklin Gothic Demi" pitchFamily="34" charset="0"/>
+              </a:rPr>
+              <a:t> lf ON </a:t>
+            </a:r>
+            <a:r>
+              <a:rPr lang="en-US" sz="2800" dirty="0" err="1">
+                <a:solidFill>
+                  <a:schemeClr val="accent2">
+                    <a:lumMod val="50000"/>
+                  </a:schemeClr>
+                </a:solidFill>
+                <a:latin typeface="Franklin Gothic Demi" pitchFamily="34" charset="0"/>
+              </a:rPr>
+              <a:t>lf.NrFact</a:t>
+            </a:r>
+            <a:r>
+              <a:rPr lang="en-US" sz="2800" dirty="0">
+                <a:solidFill>
+                  <a:schemeClr val="accent2">
+                    <a:lumMod val="50000"/>
+                  </a:schemeClr>
+                </a:solidFill>
+                <a:latin typeface="Franklin Gothic Demi" pitchFamily="34" charset="0"/>
+              </a:rPr>
+              <a:t>=</a:t>
+            </a:r>
+            <a:r>
+              <a:rPr lang="en-US" sz="2800" dirty="0" err="1">
+                <a:solidFill>
+                  <a:schemeClr val="accent2">
+                    <a:lumMod val="50000"/>
+                  </a:schemeClr>
+                </a:solidFill>
+                <a:latin typeface="Franklin Gothic Demi" pitchFamily="34" charset="0"/>
+              </a:rPr>
+              <a:t>f.NrFact</a:t>
+            </a:r>
+            <a:endParaRPr lang="en-US" sz="2800" dirty="0">
+              <a:solidFill>
+                <a:schemeClr val="accent2">
+                  <a:lumMod val="50000"/>
+                </a:schemeClr>
+              </a:solidFill>
+              <a:latin typeface="Franklin Gothic Demi" pitchFamily="34" charset="0"/>
+            </a:endParaRPr>
+          </a:p>
+          <a:p>
+            <a:pPr>
+              <a:buNone/>
+            </a:pPr>
+            <a:r>
+              <a:rPr lang="en-US" sz="2800" dirty="0">
+                <a:solidFill>
+                  <a:schemeClr val="accent2">
+                    <a:lumMod val="50000"/>
+                  </a:schemeClr>
+                </a:solidFill>
+                <a:latin typeface="Franklin Gothic Demi" pitchFamily="34" charset="0"/>
+              </a:rPr>
+              <a:t>         		 INNER JOIN </a:t>
+            </a:r>
+            <a:r>
+              <a:rPr lang="en-US" sz="2800" dirty="0" err="1">
+                <a:solidFill>
+                  <a:schemeClr val="accent2">
+                    <a:lumMod val="50000"/>
+                  </a:schemeClr>
+                </a:solidFill>
+                <a:latin typeface="Franklin Gothic Demi" pitchFamily="34" charset="0"/>
+              </a:rPr>
+              <a:t>produse</a:t>
+            </a:r>
+            <a:r>
+              <a:rPr lang="en-US" sz="2800" dirty="0">
+                <a:solidFill>
+                  <a:schemeClr val="accent2">
+                    <a:lumMod val="50000"/>
+                  </a:schemeClr>
+                </a:solidFill>
+                <a:latin typeface="Franklin Gothic Demi" pitchFamily="34" charset="0"/>
+              </a:rPr>
+              <a:t> p ON </a:t>
+            </a:r>
+            <a:r>
+              <a:rPr lang="en-US" sz="2800" dirty="0" err="1">
+                <a:solidFill>
+                  <a:schemeClr val="accent2">
+                    <a:lumMod val="50000"/>
+                  </a:schemeClr>
+                </a:solidFill>
+                <a:latin typeface="Franklin Gothic Demi" pitchFamily="34" charset="0"/>
+              </a:rPr>
+              <a:t>lf.CodPr</a:t>
+            </a:r>
+            <a:r>
+              <a:rPr lang="en-US" sz="2800" dirty="0">
+                <a:solidFill>
+                  <a:schemeClr val="accent2">
+                    <a:lumMod val="50000"/>
+                  </a:schemeClr>
+                </a:solidFill>
+                <a:latin typeface="Franklin Gothic Demi" pitchFamily="34" charset="0"/>
+              </a:rPr>
+              <a:t>=</a:t>
+            </a:r>
+            <a:r>
+              <a:rPr lang="en-US" sz="2800" dirty="0" err="1">
+                <a:solidFill>
+                  <a:schemeClr val="accent2">
+                    <a:lumMod val="50000"/>
+                  </a:schemeClr>
+                </a:solidFill>
+                <a:latin typeface="Franklin Gothic Demi" pitchFamily="34" charset="0"/>
+              </a:rPr>
+              <a:t>p.CodPr</a:t>
+            </a:r>
+            <a:endParaRPr lang="en-US" sz="2800" dirty="0">
+              <a:solidFill>
+                <a:schemeClr val="accent2">
+                  <a:lumMod val="50000"/>
+                </a:schemeClr>
+              </a:solidFill>
+              <a:latin typeface="Franklin Gothic Demi" pitchFamily="34" charset="0"/>
+            </a:endParaRPr>
+          </a:p>
+          <a:p>
+            <a:pPr>
+              <a:buNone/>
+            </a:pPr>
+            <a:r>
+              <a:rPr lang="en-US" sz="2800" dirty="0">
+                <a:solidFill>
+                  <a:schemeClr val="accent2">
+                    <a:lumMod val="50000"/>
+                  </a:schemeClr>
+                </a:solidFill>
+                <a:latin typeface="Franklin Gothic Demi" pitchFamily="34" charset="0"/>
+              </a:rPr>
+              <a:t>        GROUP BY </a:t>
+            </a:r>
+            <a:r>
+              <a:rPr lang="en-US" sz="2800" dirty="0" err="1">
+                <a:solidFill>
+                  <a:schemeClr val="accent2">
+                    <a:lumMod val="50000"/>
+                  </a:schemeClr>
+                </a:solidFill>
+                <a:latin typeface="Franklin Gothic Demi" pitchFamily="34" charset="0"/>
+              </a:rPr>
+              <a:t>f.NrFact</a:t>
+            </a:r>
+            <a:r>
+              <a:rPr lang="en-US" sz="2800" dirty="0">
+                <a:solidFill>
+                  <a:schemeClr val="accent2">
+                    <a:lumMod val="50000"/>
+                  </a:schemeClr>
+                </a:solidFill>
                 <a:latin typeface="Franklin Gothic Demi" pitchFamily="34" charset="0"/>
               </a:rPr>
               <a:t> </a:t>
             </a:r>
+          </a:p>
+          <a:p>
+            <a:pPr>
+              <a:buNone/>
+            </a:pPr>
             <a:r>
               <a:rPr lang="en-US" sz="2800" dirty="0">
                 <a:solidFill>
-                  <a:srgbClr val="0000FF"/>
-                </a:solidFill>
-                <a:latin typeface="Franklin Gothic Demi" pitchFamily="34" charset="0"/>
-              </a:rPr>
-              <a:t>SELECT LEVEL n</a:t>
-            </a:r>
+                  <a:schemeClr val="accent2">
+                    <a:lumMod val="50000"/>
+                  </a:schemeClr>
+                </a:solidFill>
+                <a:latin typeface="Franklin Gothic Demi" pitchFamily="34" charset="0"/>
+              </a:rPr>
+              <a:t>	    ) fact  </a:t>
+            </a:r>
+            <a:r>
+              <a:rPr lang="en-US" sz="2800" dirty="0">
+                <a:latin typeface="Franklin Gothic Demi" pitchFamily="34" charset="0"/>
+              </a:rPr>
+              <a:t>ON  </a:t>
+            </a:r>
+            <a:r>
+              <a:rPr lang="en-US" sz="2800" dirty="0" err="1">
+                <a:solidFill>
+                  <a:schemeClr val="accent2">
+                    <a:lumMod val="50000"/>
+                  </a:schemeClr>
+                </a:solidFill>
+                <a:latin typeface="Franklin Gothic Demi" pitchFamily="34" charset="0"/>
+              </a:rPr>
+              <a:t>ValFact</a:t>
+            </a:r>
+            <a:r>
+              <a:rPr lang="en-US" sz="2800" dirty="0">
+                <a:latin typeface="Franklin Gothic Demi" pitchFamily="34" charset="0"/>
+              </a:rPr>
+              <a:t> BETWEEN </a:t>
+            </a:r>
+            <a:r>
+              <a:rPr lang="en-US" sz="2800" dirty="0" err="1">
+                <a:solidFill>
+                  <a:srgbClr val="FF0000"/>
+                </a:solidFill>
+                <a:latin typeface="Franklin Gothic Demi" pitchFamily="34" charset="0"/>
+              </a:rPr>
+              <a:t>LimInf</a:t>
+            </a:r>
+            <a:r>
+              <a:rPr lang="en-US" sz="2800" dirty="0">
+                <a:latin typeface="Franklin Gothic Demi" pitchFamily="34" charset="0"/>
+              </a:rPr>
+              <a:t> AND </a:t>
+            </a:r>
+            <a:r>
+              <a:rPr lang="en-US" sz="2800" dirty="0" err="1">
+                <a:solidFill>
+                  <a:srgbClr val="FF0000"/>
+                </a:solidFill>
+                <a:latin typeface="Franklin Gothic Demi" pitchFamily="34" charset="0"/>
+              </a:rPr>
+              <a:t>LimSup</a:t>
+            </a:r>
+            <a:endParaRPr lang="en-US" sz="2800" dirty="0">
+              <a:solidFill>
+                <a:srgbClr val="FF0000"/>
+              </a:solidFill>
+              <a:latin typeface="Franklin Gothic Demi" pitchFamily="34" charset="0"/>
+            </a:endParaRPr>
           </a:p>
           <a:p>
             <a:pPr>
@@ -7365,34 +6623,86 @@
             </a:pPr>
             <a:r>
               <a:rPr lang="en-US" sz="2800" dirty="0">
-                <a:solidFill>
-                  <a:srgbClr val="0000FF"/>
-                </a:solidFill>
-                <a:latin typeface="Franklin Gothic Demi" pitchFamily="34" charset="0"/>
-              </a:rPr>
-              <a:t> FROM DUAL</a:t>
-            </a:r>
-          </a:p>
-          <a:p>
-            <a:pPr>
-              <a:buNone/>
-            </a:pPr>
+                <a:latin typeface="Franklin Gothic Demi" pitchFamily="34" charset="0"/>
+              </a:rPr>
+              <a:t>GROUP BY </a:t>
+            </a:r>
+            <a:r>
+              <a:rPr lang="en-US" sz="2800" dirty="0" err="1">
+                <a:solidFill>
+                  <a:srgbClr val="FF0000"/>
+                </a:solidFill>
+                <a:latin typeface="Franklin Gothic Demi" pitchFamily="34" charset="0"/>
+              </a:rPr>
+              <a:t>LimInf</a:t>
+            </a:r>
             <a:r>
               <a:rPr lang="en-US" sz="2800" dirty="0">
-                <a:solidFill>
-                  <a:srgbClr val="0000FF"/>
-                </a:solidFill>
-                <a:latin typeface="Franklin Gothic Demi" pitchFamily="34" charset="0"/>
-              </a:rPr>
-              <a:t> CONNECT BY LEVEL &lt;= 100;</a:t>
-            </a:r>
+                <a:latin typeface="Franklin Gothic Demi" pitchFamily="34" charset="0"/>
+              </a:rPr>
+              <a:t>, </a:t>
+            </a:r>
+            <a:r>
+              <a:rPr lang="en-US" sz="2800" dirty="0" err="1">
+                <a:solidFill>
+                  <a:srgbClr val="FF0000"/>
+                </a:solidFill>
+                <a:latin typeface="Franklin Gothic Demi" pitchFamily="34" charset="0"/>
+              </a:rPr>
+              <a:t>LimSup</a:t>
+            </a:r>
+            <a:r>
+              <a:rPr lang="ro-RO" sz="2800" dirty="0">
+                <a:solidFill>
+                  <a:srgbClr val="FF0000"/>
+                </a:solidFill>
+                <a:latin typeface="Franklin Gothic Demi" pitchFamily="34" charset="0"/>
+              </a:rPr>
+              <a:t>      </a:t>
+            </a:r>
+            <a:r>
+              <a:rPr lang="en-US" sz="2800" dirty="0">
+                <a:latin typeface="Franklin Gothic Demi" pitchFamily="34" charset="0"/>
+              </a:rPr>
+              <a:t>ORDER BY </a:t>
+            </a:r>
+            <a:r>
+              <a:rPr lang="en-US" sz="2800" dirty="0" err="1">
+                <a:solidFill>
+                  <a:srgbClr val="FF0000"/>
+                </a:solidFill>
+                <a:latin typeface="Franklin Gothic Demi" pitchFamily="34" charset="0"/>
+              </a:rPr>
+              <a:t>LimInf</a:t>
+            </a:r>
+            <a:r>
+              <a:rPr lang="en-US" sz="2800" dirty="0">
+                <a:latin typeface="Franklin Gothic Demi" pitchFamily="34" charset="0"/>
+              </a:rPr>
+              <a:t>, </a:t>
+            </a:r>
+            <a:r>
+              <a:rPr lang="en-US" sz="2800" dirty="0" err="1">
+                <a:solidFill>
+                  <a:srgbClr val="FF0000"/>
+                </a:solidFill>
+                <a:latin typeface="Franklin Gothic Demi" pitchFamily="34" charset="0"/>
+              </a:rPr>
+              <a:t>LimSup</a:t>
+            </a:r>
+            <a:endParaRPr lang="en-US" sz="2800" dirty="0">
+              <a:solidFill>
+                <a:srgbClr val="FF0000"/>
+              </a:solidFill>
+              <a:latin typeface="Franklin Gothic Demi" pitchFamily="34" charset="0"/>
+            </a:endParaRPr>
           </a:p>
         </p:txBody>
       </p:sp>
     </p:spTree>
     <p:extLst>
       <p:ext uri="{BB962C8B-B14F-4D97-AF65-F5344CB8AC3E}">
-        <p14:creationId xmlns:p14="http://schemas.microsoft.com/office/powerpoint/2010/main" val="3296501390"/>
+        <p14:creationId xmlns:p14="http://schemas.microsoft.com/office/powerpoint/2010/main" val="3452710658"/>
       </p:ext>
     </p:extLst>
   </p:cSld>
@@ -7451,7 +6761,7 @@
                 <a:ea typeface="Arial Unicode MS" panose="020B0604020202020204" pitchFamily="34" charset="-128"/>
                 <a:cs typeface="Arial Unicode MS" panose="020B0604020202020204" pitchFamily="34" charset="-128"/>
               </a:rPr>
-              <a:t>Generating series in SQL queries (cont.)</a:t>
+              <a:t>Ad-hoc values in FROM clause – Oracle </a:t>
             </a:r>
           </a:p>
         </p:txBody>
@@ -7468,22 +6778,81 @@
         </p:nvSpPr>
         <p:spPr>
           <a:xfrm>
-            <a:off x="381000" y="1295400"/>
-            <a:ext cx="8785274" cy="5562600"/>
+            <a:off x="631874" y="1295400"/>
+            <a:ext cx="8534400" cy="5562600"/>
           </a:xfrm>
         </p:spPr>
         <p:txBody>
           <a:bodyPr>
-            <a:normAutofit lnSpcReduction="10000"/>
+            <a:normAutofit fontScale="77500" lnSpcReduction="20000"/>
           </a:bodyPr>
           <a:lstStyle/>
           <a:p>
+            <a:pPr>
+              <a:buNone/>
+            </a:pPr>
             <a:r>
               <a:rPr lang="en-US" sz="2800" dirty="0">
                 <a:latin typeface="Franklin Gothic Demi" pitchFamily="34" charset="0"/>
               </a:rPr>
-              <a:t>Solution 3 in Oracle</a:t>
-            </a:r>
+              <a:t>SELECT </a:t>
+            </a:r>
+            <a:r>
+              <a:rPr lang="en-US" sz="2800" dirty="0" err="1">
+                <a:solidFill>
+                  <a:srgbClr val="FF0000"/>
+                </a:solidFill>
+                <a:latin typeface="Franklin Gothic Demi" pitchFamily="34" charset="0"/>
+              </a:rPr>
+              <a:t>LimInf</a:t>
+            </a:r>
+            <a:r>
+              <a:rPr lang="en-US" sz="2800" dirty="0">
+                <a:latin typeface="Franklin Gothic Demi" pitchFamily="34" charset="0"/>
+              </a:rPr>
+              <a:t>, </a:t>
+            </a:r>
+            <a:r>
+              <a:rPr lang="en-US" sz="2800" dirty="0" err="1">
+                <a:solidFill>
+                  <a:srgbClr val="FF0000"/>
+                </a:solidFill>
+                <a:latin typeface="Franklin Gothic Demi" pitchFamily="34" charset="0"/>
+              </a:rPr>
+              <a:t>LimSup</a:t>
+            </a:r>
+            <a:r>
+              <a:rPr lang="en-US" sz="2800" dirty="0">
+                <a:latin typeface="Franklin Gothic Demi" pitchFamily="34" charset="0"/>
+              </a:rPr>
+              <a:t>, COUNT(</a:t>
+            </a:r>
+            <a:r>
+              <a:rPr lang="en-US" sz="2800" dirty="0" err="1">
+                <a:solidFill>
+                  <a:schemeClr val="accent2">
+                    <a:lumMod val="50000"/>
+                  </a:schemeClr>
+                </a:solidFill>
+                <a:latin typeface="Franklin Gothic Demi" pitchFamily="34" charset="0"/>
+              </a:rPr>
+              <a:t>fact.ValFact</a:t>
+            </a:r>
+            <a:r>
+              <a:rPr lang="en-US" sz="2800" dirty="0">
+                <a:latin typeface="Franklin Gothic Demi" pitchFamily="34" charset="0"/>
+              </a:rPr>
+              <a:t>) AS </a:t>
+            </a:r>
+            <a:r>
+              <a:rPr lang="en-US" sz="2800" dirty="0" err="1">
+                <a:latin typeface="Franklin Gothic Demi" pitchFamily="34" charset="0"/>
+              </a:rPr>
+              <a:t>Nr_Facturi</a:t>
+            </a:r>
+            <a:endParaRPr lang="en-US" sz="2800" dirty="0">
+              <a:latin typeface="Franklin Gothic Demi" pitchFamily="34" charset="0"/>
+            </a:endParaRPr>
           </a:p>
           <a:p>
             <a:pPr>
@@ -7491,12 +6860,9 @@
             </a:pPr>
             <a:r>
               <a:rPr lang="en-US" sz="2800" dirty="0">
-                <a:solidFill>
-                  <a:srgbClr val="0000FF"/>
-                </a:solidFill>
-                <a:latin typeface="Franklin Gothic Demi" pitchFamily="34" charset="0"/>
-              </a:rPr>
-              <a:t> SELECT V</a:t>
+                <a:latin typeface="Franklin Gothic Demi" pitchFamily="34" charset="0"/>
+              </a:rPr>
+              <a:t>FROM </a:t>
             </a:r>
           </a:p>
           <a:p>
@@ -7505,12 +6871,54 @@
             </a:pPr>
             <a:r>
               <a:rPr lang="en-US" sz="2800" dirty="0">
-                <a:solidFill>
-                  <a:srgbClr val="0000FF"/>
-                </a:solidFill>
-                <a:latin typeface="Franklin Gothic Demi" pitchFamily="34" charset="0"/>
-              </a:rPr>
-              <a:t> FROM ( SELECT 1 V FROM DUAL ) T </a:t>
+                <a:latin typeface="Franklin Gothic Demi" pitchFamily="34" charset="0"/>
+              </a:rPr>
+              <a:t>	</a:t>
+            </a:r>
+            <a:r>
+              <a:rPr lang="en-US" sz="2800" dirty="0">
+                <a:solidFill>
+                  <a:srgbClr val="FF0000"/>
+                </a:solidFill>
+                <a:latin typeface="Franklin Gothic Demi" pitchFamily="34" charset="0"/>
+              </a:rPr>
+              <a:t>(SELECT 0 AS </a:t>
+            </a:r>
+            <a:r>
+              <a:rPr lang="en-US" sz="2800" dirty="0" err="1">
+                <a:solidFill>
+                  <a:srgbClr val="FF0000"/>
+                </a:solidFill>
+                <a:latin typeface="Franklin Gothic Demi" pitchFamily="34" charset="0"/>
+              </a:rPr>
+              <a:t>LimInf</a:t>
+            </a:r>
+            <a:r>
+              <a:rPr lang="en-US" sz="2800" dirty="0">
+                <a:solidFill>
+                  <a:srgbClr val="FF0000"/>
+                </a:solidFill>
+                <a:latin typeface="Franklin Gothic Demi" pitchFamily="34" charset="0"/>
+              </a:rPr>
+              <a:t> , 100000 AS </a:t>
+            </a:r>
+            <a:r>
+              <a:rPr lang="en-US" sz="2800" dirty="0" err="1">
+                <a:solidFill>
+                  <a:srgbClr val="FF0000"/>
+                </a:solidFill>
+                <a:latin typeface="Franklin Gothic Demi" pitchFamily="34" charset="0"/>
+              </a:rPr>
+              <a:t>LimSup</a:t>
+            </a:r>
+            <a:r>
+              <a:rPr lang="en-US" sz="2800" dirty="0">
+                <a:solidFill>
+                  <a:srgbClr val="FF0000"/>
+                </a:solidFill>
+                <a:latin typeface="Franklin Gothic Demi" pitchFamily="34" charset="0"/>
+              </a:rPr>
+              <a:t> FROM dual UNION</a:t>
             </a:r>
           </a:p>
           <a:p>
@@ -7520,11 +6928,11 @@
             <a:r>
               <a:rPr lang="en-US" sz="2800" dirty="0">
                 <a:solidFill>
-                  <a:srgbClr val="0000FF"/>
-                </a:solidFill>
-                <a:latin typeface="Franklin Gothic Demi" pitchFamily="34" charset="0"/>
-              </a:rPr>
-              <a:t>	MODEL DIMENSION BY (ROWNUM R)</a:t>
+                  <a:srgbClr val="FF0000"/>
+                </a:solidFill>
+                <a:latin typeface="Franklin Gothic Demi" pitchFamily="34" charset="0"/>
+              </a:rPr>
+              <a:t>	 SELECT 100001, 200000 FROM dual UNION </a:t>
             </a:r>
           </a:p>
           <a:p>
@@ -7534,11 +6942,11 @@
             <a:r>
               <a:rPr lang="en-US" sz="2800" dirty="0">
                 <a:solidFill>
-                  <a:srgbClr val="0000FF"/>
-                </a:solidFill>
-                <a:latin typeface="Franklin Gothic Demi" pitchFamily="34" charset="0"/>
-              </a:rPr>
-              <a:t>      MEASURES (V)</a:t>
+                  <a:srgbClr val="FF0000"/>
+                </a:solidFill>
+                <a:latin typeface="Franklin Gothic Demi" pitchFamily="34" charset="0"/>
+              </a:rPr>
+              <a:t>	 SELECT 200001, 500000), FROM dual UNION</a:t>
             </a:r>
           </a:p>
           <a:p>
@@ -7548,12 +6956,27 @@
             <a:r>
               <a:rPr lang="en-US" sz="2800" dirty="0">
                 <a:solidFill>
-                  <a:srgbClr val="0000FF"/>
-                </a:solidFill>
-                <a:latin typeface="Franklin Gothic Demi" pitchFamily="34" charset="0"/>
-              </a:rPr>
-              <a:t>      RULES ITERATE (100) (</a:t>
-            </a:r>
+                  <a:srgbClr val="FF0000"/>
+                </a:solidFill>
+                <a:latin typeface="Franklin Gothic Demi" pitchFamily="34" charset="0"/>
+              </a:rPr>
+              <a:t>	 SELECT500001, 1000000), FROM dual UNION SELECT1000001, 99999999) </a:t>
+            </a:r>
+            <a:r>
+              <a:rPr lang="en-US" sz="2800" dirty="0" err="1">
+                <a:solidFill>
+                  <a:srgbClr val="FF0000"/>
+                </a:solidFill>
+                <a:latin typeface="Franklin Gothic Demi" pitchFamily="34" charset="0"/>
+              </a:rPr>
+              <a:t>intervale</a:t>
+            </a:r>
+            <a:endParaRPr lang="en-US" sz="2800" dirty="0">
+              <a:solidFill>
+                <a:srgbClr val="FF0000"/>
+              </a:solidFill>
+              <a:latin typeface="Franklin Gothic Demi" pitchFamily="34" charset="0"/>
+            </a:endParaRPr>
           </a:p>
           <a:p>
             <a:pPr>
@@ -7561,12 +6984,9 @@
             </a:pPr>
             <a:r>
               <a:rPr lang="en-US" sz="2800" dirty="0">
-                <a:solidFill>
-                  <a:srgbClr val="0000FF"/>
-                </a:solidFill>
-                <a:latin typeface="Franklin Gothic Demi" pitchFamily="34" charset="0"/>
-              </a:rPr>
-              <a:t>        V[ITERATION_NUMBER] = CV(R) + 1</a:t>
+                <a:latin typeface="Franklin Gothic Demi" pitchFamily="34" charset="0"/>
+              </a:rPr>
+              <a:t>  LEFT OUTER JOIN</a:t>
             </a:r>
           </a:p>
           <a:p>
@@ -7575,42 +6995,540 @@
             </a:pPr>
             <a:r>
               <a:rPr lang="en-US" sz="2800" dirty="0">
-                <a:solidFill>
-                  <a:srgbClr val="0000FF"/>
-                </a:solidFill>
-                <a:latin typeface="Franklin Gothic Demi" pitchFamily="34" charset="0"/>
-              </a:rPr>
-              <a:t>      )</a:t>
-            </a:r>
+                <a:latin typeface="Franklin Gothic Demi" pitchFamily="34" charset="0"/>
+              </a:rPr>
+              <a:t>      </a:t>
+            </a:r>
+            <a:r>
+              <a:rPr lang="en-US" sz="2800" dirty="0">
+                <a:solidFill>
+                  <a:schemeClr val="accent2">
+                    <a:lumMod val="50000"/>
+                  </a:schemeClr>
+                </a:solidFill>
+                <a:latin typeface="Franklin Gothic Demi" pitchFamily="34" charset="0"/>
+              </a:rPr>
+              <a:t>(SELECT </a:t>
+            </a:r>
+            <a:r>
+              <a:rPr lang="en-US" sz="2800" dirty="0" err="1">
+                <a:solidFill>
+                  <a:schemeClr val="accent2">
+                    <a:lumMod val="50000"/>
+                  </a:schemeClr>
+                </a:solidFill>
+                <a:latin typeface="Franklin Gothic Demi" pitchFamily="34" charset="0"/>
+              </a:rPr>
+              <a:t>f.NrFact</a:t>
+            </a:r>
+            <a:r>
+              <a:rPr lang="en-US" sz="2800" dirty="0">
+                <a:solidFill>
+                  <a:schemeClr val="accent2">
+                    <a:lumMod val="50000"/>
+                  </a:schemeClr>
+                </a:solidFill>
+                <a:latin typeface="Franklin Gothic Demi" pitchFamily="34" charset="0"/>
+              </a:rPr>
+              <a:t>, SUM(</a:t>
+            </a:r>
+            <a:r>
+              <a:rPr lang="en-US" sz="2800" dirty="0" err="1">
+                <a:solidFill>
+                  <a:schemeClr val="accent2">
+                    <a:lumMod val="50000"/>
+                  </a:schemeClr>
+                </a:solidFill>
+                <a:latin typeface="Franklin Gothic Demi" pitchFamily="34" charset="0"/>
+              </a:rPr>
+              <a:t>Cantitate</a:t>
+            </a:r>
+            <a:r>
+              <a:rPr lang="en-US" sz="2800" dirty="0">
+                <a:solidFill>
+                  <a:schemeClr val="accent2">
+                    <a:lumMod val="50000"/>
+                  </a:schemeClr>
+                </a:solidFill>
+                <a:latin typeface="Franklin Gothic Demi" pitchFamily="34" charset="0"/>
+              </a:rPr>
+              <a:t> * </a:t>
+            </a:r>
+            <a:r>
+              <a:rPr lang="en-US" sz="2800" dirty="0" err="1">
+                <a:solidFill>
+                  <a:schemeClr val="accent2">
+                    <a:lumMod val="50000"/>
+                  </a:schemeClr>
+                </a:solidFill>
+                <a:latin typeface="Franklin Gothic Demi" pitchFamily="34" charset="0"/>
+              </a:rPr>
+              <a:t>PretUnit</a:t>
+            </a:r>
+            <a:r>
+              <a:rPr lang="en-US" sz="2800" dirty="0">
+                <a:solidFill>
+                  <a:schemeClr val="accent2">
+                    <a:lumMod val="50000"/>
+                  </a:schemeClr>
+                </a:solidFill>
+                <a:latin typeface="Franklin Gothic Demi" pitchFamily="34" charset="0"/>
+              </a:rPr>
+              <a:t> * (</a:t>
+            </a:r>
+            <a:r>
+              <a:rPr lang="en-US" sz="2800" dirty="0" err="1">
+                <a:solidFill>
+                  <a:schemeClr val="accent2">
+                    <a:lumMod val="50000"/>
+                  </a:schemeClr>
+                </a:solidFill>
+                <a:latin typeface="Franklin Gothic Demi" pitchFamily="34" charset="0"/>
+              </a:rPr>
+              <a:t>1+ProcTVA</a:t>
+            </a:r>
+            <a:r>
+              <a:rPr lang="en-US" sz="2800" dirty="0">
+                <a:solidFill>
+                  <a:schemeClr val="accent2">
+                    <a:lumMod val="50000"/>
+                  </a:schemeClr>
+                </a:solidFill>
+                <a:latin typeface="Franklin Gothic Demi" pitchFamily="34" charset="0"/>
+              </a:rPr>
+              <a:t>)) </a:t>
+            </a:r>
+            <a:endParaRPr lang="ro-RO" sz="2800" dirty="0">
+              <a:solidFill>
+                <a:schemeClr val="accent2">
+                  <a:lumMod val="50000"/>
+                </a:schemeClr>
+              </a:solidFill>
+              <a:latin typeface="Franklin Gothic Demi" pitchFamily="34" charset="0"/>
+            </a:endParaRPr>
           </a:p>
           <a:p>
             <a:pPr>
               <a:buNone/>
             </a:pPr>
             <a:r>
+              <a:rPr lang="ro-RO" sz="2800" dirty="0">
+                <a:solidFill>
+                  <a:schemeClr val="accent2">
+                    <a:lumMod val="50000"/>
+                  </a:schemeClr>
+                </a:solidFill>
+                <a:latin typeface="Franklin Gothic Demi" pitchFamily="34" charset="0"/>
+              </a:rPr>
+              <a:t>			</a:t>
+            </a:r>
+            <a:r>
               <a:rPr lang="en-US" sz="2800" dirty="0">
                 <a:solidFill>
-                  <a:srgbClr val="0000FF"/>
-                </a:solidFill>
-                <a:latin typeface="Franklin Gothic Demi" pitchFamily="34" charset="0"/>
-              </a:rPr>
-              <a:t>ORDER BY 1</a:t>
-            </a:r>
-          </a:p>
-          <a:p>
+                  <a:schemeClr val="accent2">
+                    <a:lumMod val="50000"/>
+                  </a:schemeClr>
+                </a:solidFill>
+                <a:latin typeface="Franklin Gothic Demi" pitchFamily="34" charset="0"/>
+              </a:rPr>
+              <a:t>AS </a:t>
+            </a:r>
+            <a:r>
+              <a:rPr lang="en-US" sz="2800" dirty="0" err="1">
+                <a:solidFill>
+                  <a:schemeClr val="accent2">
+                    <a:lumMod val="50000"/>
+                  </a:schemeClr>
+                </a:solidFill>
+                <a:latin typeface="Franklin Gothic Demi" pitchFamily="34" charset="0"/>
+              </a:rPr>
+              <a:t>ValFact</a:t>
+            </a:r>
             <a:r>
               <a:rPr lang="en-US" sz="2800" dirty="0">
-                <a:latin typeface="Franklin Gothic Demi" pitchFamily="34" charset="0"/>
-              </a:rPr>
-              <a:t>For more solutions and details about recursive/hierarchical queries – see next presentation</a:t>
-            </a:r>
+                <a:solidFill>
+                  <a:schemeClr val="accent2">
+                    <a:lumMod val="50000"/>
+                  </a:schemeClr>
+                </a:solidFill>
+                <a:latin typeface="Franklin Gothic Demi" pitchFamily="34" charset="0"/>
+              </a:rPr>
+              <a:t> </a:t>
+            </a:r>
+          </a:p>
+          <a:p>
+            <a:pPr>
+              <a:buNone/>
+            </a:pPr>
+            <a:r>
+              <a:rPr lang="en-US" sz="2800" dirty="0">
+                <a:solidFill>
+                  <a:schemeClr val="accent2">
+                    <a:lumMod val="50000"/>
+                  </a:schemeClr>
+                </a:solidFill>
+                <a:latin typeface="Franklin Gothic Demi" pitchFamily="34" charset="0"/>
+              </a:rPr>
+              <a:t>        FROM </a:t>
+            </a:r>
+            <a:r>
+              <a:rPr lang="en-US" sz="2800" dirty="0" err="1">
+                <a:solidFill>
+                  <a:schemeClr val="accent2">
+                    <a:lumMod val="50000"/>
+                  </a:schemeClr>
+                </a:solidFill>
+                <a:latin typeface="Franklin Gothic Demi" pitchFamily="34" charset="0"/>
+              </a:rPr>
+              <a:t>facturi</a:t>
+            </a:r>
+            <a:r>
+              <a:rPr lang="en-US" sz="2800" dirty="0">
+                <a:solidFill>
+                  <a:schemeClr val="accent2">
+                    <a:lumMod val="50000"/>
+                  </a:schemeClr>
+                </a:solidFill>
+                <a:latin typeface="Franklin Gothic Demi" pitchFamily="34" charset="0"/>
+              </a:rPr>
+              <a:t> f INNER JOIN </a:t>
+            </a:r>
+            <a:r>
+              <a:rPr lang="en-US" sz="2800" dirty="0" err="1">
+                <a:solidFill>
+                  <a:schemeClr val="accent2">
+                    <a:lumMod val="50000"/>
+                  </a:schemeClr>
+                </a:solidFill>
+                <a:latin typeface="Franklin Gothic Demi" pitchFamily="34" charset="0"/>
+              </a:rPr>
+              <a:t>liniifact</a:t>
+            </a:r>
+            <a:r>
+              <a:rPr lang="en-US" sz="2800" dirty="0">
+                <a:solidFill>
+                  <a:schemeClr val="accent2">
+                    <a:lumMod val="50000"/>
+                  </a:schemeClr>
+                </a:solidFill>
+                <a:latin typeface="Franklin Gothic Demi" pitchFamily="34" charset="0"/>
+              </a:rPr>
+              <a:t> lf ON </a:t>
+            </a:r>
+            <a:r>
+              <a:rPr lang="en-US" sz="2800" dirty="0" err="1">
+                <a:solidFill>
+                  <a:schemeClr val="accent2">
+                    <a:lumMod val="50000"/>
+                  </a:schemeClr>
+                </a:solidFill>
+                <a:latin typeface="Franklin Gothic Demi" pitchFamily="34" charset="0"/>
+              </a:rPr>
+              <a:t>lf.NrFact</a:t>
+            </a:r>
+            <a:r>
+              <a:rPr lang="en-US" sz="2800" dirty="0">
+                <a:solidFill>
+                  <a:schemeClr val="accent2">
+                    <a:lumMod val="50000"/>
+                  </a:schemeClr>
+                </a:solidFill>
+                <a:latin typeface="Franklin Gothic Demi" pitchFamily="34" charset="0"/>
+              </a:rPr>
+              <a:t>=</a:t>
+            </a:r>
+            <a:r>
+              <a:rPr lang="en-US" sz="2800" dirty="0" err="1">
+                <a:solidFill>
+                  <a:schemeClr val="accent2">
+                    <a:lumMod val="50000"/>
+                  </a:schemeClr>
+                </a:solidFill>
+                <a:latin typeface="Franklin Gothic Demi" pitchFamily="34" charset="0"/>
+              </a:rPr>
+              <a:t>f.NrFact</a:t>
+            </a:r>
+            <a:endParaRPr lang="en-US" sz="2800" dirty="0">
+              <a:solidFill>
+                <a:schemeClr val="accent2">
+                  <a:lumMod val="50000"/>
+                </a:schemeClr>
+              </a:solidFill>
+              <a:latin typeface="Franklin Gothic Demi" pitchFamily="34" charset="0"/>
+            </a:endParaRPr>
+          </a:p>
+          <a:p>
+            <a:pPr>
+              <a:buNone/>
+            </a:pPr>
+            <a:r>
+              <a:rPr lang="en-US" sz="2800" dirty="0">
+                <a:solidFill>
+                  <a:schemeClr val="accent2">
+                    <a:lumMod val="50000"/>
+                  </a:schemeClr>
+                </a:solidFill>
+                <a:latin typeface="Franklin Gothic Demi" pitchFamily="34" charset="0"/>
+              </a:rPr>
+              <a:t>         		 INNER JOIN </a:t>
+            </a:r>
+            <a:r>
+              <a:rPr lang="en-US" sz="2800" dirty="0" err="1">
+                <a:solidFill>
+                  <a:schemeClr val="accent2">
+                    <a:lumMod val="50000"/>
+                  </a:schemeClr>
+                </a:solidFill>
+                <a:latin typeface="Franklin Gothic Demi" pitchFamily="34" charset="0"/>
+              </a:rPr>
+              <a:t>produse</a:t>
+            </a:r>
+            <a:r>
+              <a:rPr lang="en-US" sz="2800" dirty="0">
+                <a:solidFill>
+                  <a:schemeClr val="accent2">
+                    <a:lumMod val="50000"/>
+                  </a:schemeClr>
+                </a:solidFill>
+                <a:latin typeface="Franklin Gothic Demi" pitchFamily="34" charset="0"/>
+              </a:rPr>
+              <a:t> p ON </a:t>
+            </a:r>
+            <a:r>
+              <a:rPr lang="en-US" sz="2800" dirty="0" err="1">
+                <a:solidFill>
+                  <a:schemeClr val="accent2">
+                    <a:lumMod val="50000"/>
+                  </a:schemeClr>
+                </a:solidFill>
+                <a:latin typeface="Franklin Gothic Demi" pitchFamily="34" charset="0"/>
+              </a:rPr>
+              <a:t>lf.CodPr</a:t>
+            </a:r>
+            <a:r>
+              <a:rPr lang="en-US" sz="2800" dirty="0">
+                <a:solidFill>
+                  <a:schemeClr val="accent2">
+                    <a:lumMod val="50000"/>
+                  </a:schemeClr>
+                </a:solidFill>
+                <a:latin typeface="Franklin Gothic Demi" pitchFamily="34" charset="0"/>
+              </a:rPr>
+              <a:t>=</a:t>
+            </a:r>
+            <a:r>
+              <a:rPr lang="en-US" sz="2800" dirty="0" err="1">
+                <a:solidFill>
+                  <a:schemeClr val="accent2">
+                    <a:lumMod val="50000"/>
+                  </a:schemeClr>
+                </a:solidFill>
+                <a:latin typeface="Franklin Gothic Demi" pitchFamily="34" charset="0"/>
+              </a:rPr>
+              <a:t>p.CodPr</a:t>
+            </a:r>
+            <a:endParaRPr lang="en-US" sz="2800" dirty="0">
+              <a:solidFill>
+                <a:schemeClr val="accent2">
+                  <a:lumMod val="50000"/>
+                </a:schemeClr>
+              </a:solidFill>
+              <a:latin typeface="Franklin Gothic Demi" pitchFamily="34" charset="0"/>
+            </a:endParaRPr>
+          </a:p>
+          <a:p>
+            <a:pPr>
+              <a:buNone/>
+            </a:pPr>
+            <a:r>
+              <a:rPr lang="en-US" sz="2800" dirty="0">
+                <a:solidFill>
+                  <a:schemeClr val="accent2">
+                    <a:lumMod val="50000"/>
+                  </a:schemeClr>
+                </a:solidFill>
+                <a:latin typeface="Franklin Gothic Demi" pitchFamily="34" charset="0"/>
+              </a:rPr>
+              <a:t>        GROUP BY </a:t>
+            </a:r>
+            <a:r>
+              <a:rPr lang="en-US" sz="2800" dirty="0" err="1">
+                <a:solidFill>
+                  <a:schemeClr val="accent2">
+                    <a:lumMod val="50000"/>
+                  </a:schemeClr>
+                </a:solidFill>
+                <a:latin typeface="Franklin Gothic Demi" pitchFamily="34" charset="0"/>
+              </a:rPr>
+              <a:t>f.NrFact</a:t>
+            </a:r>
+            <a:r>
+              <a:rPr lang="en-US" sz="2800" dirty="0">
+                <a:solidFill>
+                  <a:schemeClr val="accent2">
+                    <a:lumMod val="50000"/>
+                  </a:schemeClr>
+                </a:solidFill>
+                <a:latin typeface="Franklin Gothic Demi" pitchFamily="34" charset="0"/>
+              </a:rPr>
+              <a:t> </a:t>
+            </a:r>
+          </a:p>
+          <a:p>
+            <a:pPr>
+              <a:buNone/>
+            </a:pPr>
+            <a:r>
+              <a:rPr lang="en-US" sz="2800" dirty="0">
+                <a:solidFill>
+                  <a:schemeClr val="accent2">
+                    <a:lumMod val="50000"/>
+                  </a:schemeClr>
+                </a:solidFill>
+                <a:latin typeface="Franklin Gothic Demi" pitchFamily="34" charset="0"/>
+              </a:rPr>
+              <a:t>	    ) fact  </a:t>
+            </a:r>
+            <a:r>
+              <a:rPr lang="en-US" sz="2800" dirty="0">
+                <a:latin typeface="Franklin Gothic Demi" pitchFamily="34" charset="0"/>
+              </a:rPr>
+              <a:t>ON  </a:t>
+            </a:r>
+            <a:r>
+              <a:rPr lang="en-US" sz="2800" dirty="0" err="1">
+                <a:solidFill>
+                  <a:schemeClr val="accent2">
+                    <a:lumMod val="50000"/>
+                  </a:schemeClr>
+                </a:solidFill>
+                <a:latin typeface="Franklin Gothic Demi" pitchFamily="34" charset="0"/>
+              </a:rPr>
+              <a:t>ValFact</a:t>
+            </a:r>
+            <a:r>
+              <a:rPr lang="en-US" sz="2800" dirty="0">
+                <a:latin typeface="Franklin Gothic Demi" pitchFamily="34" charset="0"/>
+              </a:rPr>
+              <a:t> BETWEEN </a:t>
+            </a:r>
+            <a:r>
+              <a:rPr lang="en-US" sz="2800" dirty="0" err="1">
+                <a:solidFill>
+                  <a:srgbClr val="FF0000"/>
+                </a:solidFill>
+                <a:latin typeface="Franklin Gothic Demi" pitchFamily="34" charset="0"/>
+              </a:rPr>
+              <a:t>LimInf</a:t>
+            </a:r>
+            <a:r>
+              <a:rPr lang="en-US" sz="2800" dirty="0">
+                <a:latin typeface="Franklin Gothic Demi" pitchFamily="34" charset="0"/>
+              </a:rPr>
+              <a:t> AND </a:t>
+            </a:r>
+            <a:r>
+              <a:rPr lang="en-US" sz="2800" dirty="0" err="1">
+                <a:solidFill>
+                  <a:srgbClr val="FF0000"/>
+                </a:solidFill>
+                <a:latin typeface="Franklin Gothic Demi" pitchFamily="34" charset="0"/>
+              </a:rPr>
+              <a:t>LimSup</a:t>
+            </a:r>
+            <a:endParaRPr lang="en-US" sz="2800" dirty="0">
+              <a:solidFill>
+                <a:srgbClr val="FF0000"/>
+              </a:solidFill>
+              <a:latin typeface="Franklin Gothic Demi" pitchFamily="34" charset="0"/>
+            </a:endParaRPr>
+          </a:p>
+          <a:p>
+            <a:pPr>
+              <a:buNone/>
+            </a:pPr>
+            <a:r>
+              <a:rPr lang="en-US" sz="2800" dirty="0">
+                <a:latin typeface="Franklin Gothic Demi" pitchFamily="34" charset="0"/>
+              </a:rPr>
+              <a:t>GROUP BY </a:t>
+            </a:r>
+            <a:r>
+              <a:rPr lang="en-US" sz="2800" dirty="0" err="1">
+                <a:solidFill>
+                  <a:srgbClr val="FF0000"/>
+                </a:solidFill>
+                <a:latin typeface="Franklin Gothic Demi" pitchFamily="34" charset="0"/>
+              </a:rPr>
+              <a:t>LimInf</a:t>
+            </a:r>
+            <a:r>
+              <a:rPr lang="en-US" sz="2800" dirty="0">
+                <a:latin typeface="Franklin Gothic Demi" pitchFamily="34" charset="0"/>
+              </a:rPr>
+              <a:t>, </a:t>
+            </a:r>
+            <a:r>
+              <a:rPr lang="en-US" sz="2800" dirty="0" err="1">
+                <a:solidFill>
+                  <a:srgbClr val="FF0000"/>
+                </a:solidFill>
+                <a:latin typeface="Franklin Gothic Demi" pitchFamily="34" charset="0"/>
+              </a:rPr>
+              <a:t>LimSup</a:t>
+            </a:r>
+            <a:r>
+              <a:rPr lang="ro-RO" sz="2800" dirty="0">
+                <a:solidFill>
+                  <a:srgbClr val="FF0000"/>
+                </a:solidFill>
+                <a:latin typeface="Franklin Gothic Demi" pitchFamily="34" charset="0"/>
+              </a:rPr>
+              <a:t>      </a:t>
+            </a:r>
+            <a:r>
+              <a:rPr lang="en-US" sz="2800" dirty="0">
+                <a:latin typeface="Franklin Gothic Demi" pitchFamily="34" charset="0"/>
+              </a:rPr>
+              <a:t>ORDER BY </a:t>
+            </a:r>
+            <a:r>
+              <a:rPr lang="en-US" sz="2800" dirty="0" err="1">
+                <a:solidFill>
+                  <a:srgbClr val="FF0000"/>
+                </a:solidFill>
+                <a:latin typeface="Franklin Gothic Demi" pitchFamily="34" charset="0"/>
+              </a:rPr>
+              <a:t>LimInf</a:t>
+            </a:r>
+            <a:r>
+              <a:rPr lang="en-US" sz="2800" dirty="0">
+                <a:latin typeface="Franklin Gothic Demi" pitchFamily="34" charset="0"/>
+              </a:rPr>
+              <a:t>, </a:t>
+            </a:r>
+            <a:r>
+              <a:rPr lang="en-US" sz="2800" dirty="0" err="1">
+                <a:solidFill>
+                  <a:srgbClr val="FF0000"/>
+                </a:solidFill>
+                <a:latin typeface="Franklin Gothic Demi" pitchFamily="34" charset="0"/>
+              </a:rPr>
+              <a:t>LimSup</a:t>
+            </a:r>
+            <a:endParaRPr lang="en-US" sz="2800" dirty="0">
+              <a:solidFill>
+                <a:srgbClr val="FF0000"/>
+              </a:solidFill>
+              <a:latin typeface="Franklin Gothic Demi" pitchFamily="34" charset="0"/>
+            </a:endParaRPr>
           </a:p>
         </p:txBody>
       </p:sp>
     </p:spTree>
     <p:extLst>
       <p:ext uri="{BB962C8B-B14F-4D97-AF65-F5344CB8AC3E}">
-        <p14:creationId xmlns:p14="http://schemas.microsoft.com/office/powerpoint/2010/main" val="3322814524"/>
+        <p14:creationId xmlns:p14="http://schemas.microsoft.com/office/powerpoint/2010/main" val="130740724"/>
       </p:ext>
     </p:extLst>
   </p:cSld>
@@ -7652,6 +7570,466 @@
         </p:nvSpPr>
         <p:spPr>
           <a:xfrm>
+            <a:off x="152400" y="76200"/>
+            <a:ext cx="8839200" cy="1143000"/>
+          </a:xfrm>
+        </p:spPr>
+        <p:txBody>
+          <a:bodyPr anchor="ctr">
+            <a:normAutofit/>
+          </a:bodyPr>
+          <a:lstStyle/>
+          <a:p>
+            <a:pPr algn="ctr"/>
+            <a:r>
+              <a:rPr lang="en-US" sz="3600" b="1" dirty="0">
+                <a:latin typeface="Arial Unicode MS" panose="020B0604020202020204" pitchFamily="34" charset="-128"/>
+                <a:ea typeface="Arial Unicode MS" panose="020B0604020202020204" pitchFamily="34" charset="-128"/>
+                <a:cs typeface="Arial Unicode MS" panose="020B0604020202020204" pitchFamily="34" charset="-128"/>
+              </a:rPr>
+              <a:t>Generating series in SQL queries</a:t>
+            </a:r>
+          </a:p>
+        </p:txBody>
+      </p:sp>
+      <p:sp>
+        <p:nvSpPr>
+          <p:cNvPr id="3" name="Text Placeholder 2"/>
+          <p:cNvSpPr>
+            <a:spLocks noGrp="1"/>
+          </p:cNvSpPr>
+          <p:nvPr>
+            <p:ph type="body" sz="half" idx="1"/>
+          </p:nvPr>
+        </p:nvSpPr>
+        <p:spPr>
+          <a:xfrm>
+            <a:off x="631874" y="1295400"/>
+            <a:ext cx="8534400" cy="5562600"/>
+          </a:xfrm>
+        </p:spPr>
+        <p:txBody>
+          <a:bodyPr>
+            <a:normAutofit fontScale="92500"/>
+          </a:bodyPr>
+          <a:lstStyle/>
+          <a:p>
+            <a:pPr>
+              <a:buNone/>
+            </a:pPr>
+            <a:r>
+              <a:rPr lang="en-US" sz="2800" dirty="0">
+                <a:latin typeface="Franklin Gothic Demi" pitchFamily="34" charset="0"/>
+              </a:rPr>
+              <a:t>Problem: generate an ad-hoc table with 10 rows, each row having a single attribute whose value is 1, 2, ..., 10</a:t>
+            </a:r>
+          </a:p>
+          <a:p>
+            <a:pPr>
+              <a:buFontTx/>
+              <a:buChar char="•"/>
+            </a:pPr>
+            <a:r>
+              <a:rPr lang="en-US" sz="2800" dirty="0">
+                <a:latin typeface="Franklin Gothic Demi" pitchFamily="34" charset="0"/>
+              </a:rPr>
+              <a:t>In PostgreSQL we can use </a:t>
+            </a:r>
+            <a:r>
+              <a:rPr lang="en-US" sz="2800" dirty="0">
+                <a:solidFill>
+                  <a:srgbClr val="0000FF"/>
+                </a:solidFill>
+                <a:latin typeface="Franklin Gothic Demi" pitchFamily="34" charset="0"/>
+              </a:rPr>
+              <a:t>GENERATE_SERIES</a:t>
+            </a:r>
+            <a:r>
+              <a:rPr lang="en-US" sz="2800" dirty="0">
+                <a:latin typeface="Franklin Gothic Demi" pitchFamily="34" charset="0"/>
+              </a:rPr>
+              <a:t> function</a:t>
+            </a:r>
+          </a:p>
+          <a:p>
+            <a:pPr>
+              <a:buFontTx/>
+              <a:buChar char="•"/>
+            </a:pPr>
+            <a:r>
+              <a:rPr lang="en-US" sz="2800" dirty="0">
+                <a:latin typeface="Franklin Gothic Demi" pitchFamily="34" charset="0"/>
+              </a:rPr>
+              <a:t>Solution 1 in Oracle</a:t>
+            </a:r>
+          </a:p>
+          <a:p>
+            <a:pPr>
+              <a:buNone/>
+            </a:pPr>
+            <a:r>
+              <a:rPr lang="en-US" sz="2800" dirty="0">
+                <a:solidFill>
+                  <a:srgbClr val="0000FF"/>
+                </a:solidFill>
+                <a:latin typeface="Franklin Gothic Demi" pitchFamily="34" charset="0"/>
+              </a:rPr>
+              <a:t>SELECT rownum n</a:t>
+            </a:r>
+          </a:p>
+          <a:p>
+            <a:pPr>
+              <a:buNone/>
+            </a:pPr>
+            <a:r>
+              <a:rPr lang="en-US" sz="2800" dirty="0">
+                <a:solidFill>
+                  <a:srgbClr val="0000FF"/>
+                </a:solidFill>
+                <a:latin typeface="Franklin Gothic Demi" pitchFamily="34" charset="0"/>
+              </a:rPr>
+              <a:t>FROM dual</a:t>
+            </a:r>
+          </a:p>
+          <a:p>
+            <a:pPr>
+              <a:buNone/>
+            </a:pPr>
+            <a:r>
+              <a:rPr lang="en-US" sz="2800" dirty="0">
+                <a:solidFill>
+                  <a:srgbClr val="0000FF"/>
+                </a:solidFill>
+                <a:latin typeface="Franklin Gothic Demi" pitchFamily="34" charset="0"/>
+              </a:rPr>
+              <a:t>CONNECT BY rownum &lt;= 10</a:t>
+            </a:r>
+          </a:p>
+          <a:p>
+            <a:pPr>
+              <a:buFontTx/>
+              <a:buChar char="•"/>
+            </a:pPr>
+            <a:r>
+              <a:rPr lang="en-US" sz="2800" dirty="0">
+                <a:latin typeface="Franklin Gothic Demi" pitchFamily="34" charset="0"/>
+              </a:rPr>
+              <a:t>Solution 2 in Oracle</a:t>
+            </a:r>
+          </a:p>
+          <a:p>
+            <a:pPr>
+              <a:buNone/>
+            </a:pPr>
+            <a:r>
+              <a:rPr lang="en-US" sz="2800" dirty="0">
+                <a:latin typeface="Franklin Gothic Demi" pitchFamily="34" charset="0"/>
+              </a:rPr>
+              <a:t> </a:t>
+            </a:r>
+            <a:r>
+              <a:rPr lang="en-US" sz="2800" dirty="0">
+                <a:solidFill>
+                  <a:srgbClr val="0000FF"/>
+                </a:solidFill>
+                <a:latin typeface="Franklin Gothic Demi" pitchFamily="34" charset="0"/>
+              </a:rPr>
+              <a:t>SELECT LEVEL n</a:t>
+            </a:r>
+          </a:p>
+          <a:p>
+            <a:pPr>
+              <a:buNone/>
+            </a:pPr>
+            <a:r>
+              <a:rPr lang="en-US" sz="2800" dirty="0">
+                <a:solidFill>
+                  <a:srgbClr val="0000FF"/>
+                </a:solidFill>
+                <a:latin typeface="Franklin Gothic Demi" pitchFamily="34" charset="0"/>
+              </a:rPr>
+              <a:t> FROM DUAL</a:t>
+            </a:r>
+          </a:p>
+          <a:p>
+            <a:pPr>
+              <a:buNone/>
+            </a:pPr>
+            <a:r>
+              <a:rPr lang="en-US" sz="2800" dirty="0">
+                <a:solidFill>
+                  <a:srgbClr val="0000FF"/>
+                </a:solidFill>
+                <a:latin typeface="Franklin Gothic Demi" pitchFamily="34" charset="0"/>
+              </a:rPr>
+              <a:t> CONNECT BY LEVEL &lt;= 100;</a:t>
+            </a:r>
+          </a:p>
+        </p:txBody>
+      </p:sp>
+    </p:spTree>
+    <p:extLst>
+      <p:ext uri="{BB962C8B-B14F-4D97-AF65-F5344CB8AC3E}">
+        <p14:creationId xmlns:p14="http://schemas.microsoft.com/office/powerpoint/2010/main" val="3296501390"/>
+      </p:ext>
+    </p:extLst>
+  </p:cSld>
+  <p:clrMapOvr>
+    <a:masterClrMapping/>
+  </p:clrMapOvr>
+  <p:transition>
+    <p:random/>
+  </p:transition>
+</p:sld>
+</file>
+
+<file path=ppt/slides/slide18.xml><?xml version="1.0" encoding="utf-8"?>
+<p:sld xmlns:a="http://schemas.openxmlformats.org/drawingml/2006/main" xmlns:r="http://schemas.openxmlformats.org/officeDocument/2006/relationships" xmlns:p="http://schemas.openxmlformats.org/presentationml/2006/main">
+  <p:cSld>
+    <p:spTree>
+      <p:nvGrpSpPr>
+        <p:cNvPr id="1" name=""/>
+        <p:cNvGrpSpPr/>
+        <p:nvPr/>
+      </p:nvGrpSpPr>
+      <p:grpSpPr>
+        <a:xfrm>
+          <a:off x="0" y="0"/>
+          <a:ext cx="0" cy="0"/>
+          <a:chOff x="0" y="0"/>
+          <a:chExt cx="0" cy="0"/>
+        </a:xfrm>
+      </p:grpSpPr>
+      <p:sp>
+        <p:nvSpPr>
+          <p:cNvPr id="2" name="Title 1"/>
+          <p:cNvSpPr>
+            <a:spLocks noGrp="1"/>
+          </p:cNvSpPr>
+          <p:nvPr>
+            <p:ph type="title"/>
+          </p:nvPr>
+        </p:nvSpPr>
+        <p:spPr>
+          <a:xfrm>
+            <a:off x="152400" y="76200"/>
+            <a:ext cx="8839200" cy="1143000"/>
+          </a:xfrm>
+        </p:spPr>
+        <p:txBody>
+          <a:bodyPr anchor="ctr">
+            <a:normAutofit/>
+          </a:bodyPr>
+          <a:lstStyle/>
+          <a:p>
+            <a:pPr algn="ctr"/>
+            <a:r>
+              <a:rPr lang="en-US" sz="3600" b="1" dirty="0">
+                <a:latin typeface="Arial Unicode MS" panose="020B0604020202020204" pitchFamily="34" charset="-128"/>
+                <a:ea typeface="Arial Unicode MS" panose="020B0604020202020204" pitchFamily="34" charset="-128"/>
+                <a:cs typeface="Arial Unicode MS" panose="020B0604020202020204" pitchFamily="34" charset="-128"/>
+              </a:rPr>
+              <a:t>Generating series in SQL queries (cont.)</a:t>
+            </a:r>
+          </a:p>
+        </p:txBody>
+      </p:sp>
+      <p:sp>
+        <p:nvSpPr>
+          <p:cNvPr id="3" name="Text Placeholder 2"/>
+          <p:cNvSpPr>
+            <a:spLocks noGrp="1"/>
+          </p:cNvSpPr>
+          <p:nvPr>
+            <p:ph type="body" sz="half" idx="1"/>
+          </p:nvPr>
+        </p:nvSpPr>
+        <p:spPr>
+          <a:xfrm>
+            <a:off x="381000" y="1295400"/>
+            <a:ext cx="8785274" cy="5562600"/>
+          </a:xfrm>
+        </p:spPr>
+        <p:txBody>
+          <a:bodyPr>
+            <a:normAutofit lnSpcReduction="10000"/>
+          </a:bodyPr>
+          <a:lstStyle/>
+          <a:p>
+            <a:r>
+              <a:rPr lang="en-US" sz="2800" dirty="0">
+                <a:latin typeface="Franklin Gothic Demi" pitchFamily="34" charset="0"/>
+              </a:rPr>
+              <a:t>Solution 3 in Oracle</a:t>
+            </a:r>
+          </a:p>
+          <a:p>
+            <a:pPr>
+              <a:buNone/>
+            </a:pPr>
+            <a:r>
+              <a:rPr lang="en-US" sz="2800" dirty="0">
+                <a:solidFill>
+                  <a:srgbClr val="0000FF"/>
+                </a:solidFill>
+                <a:latin typeface="Franklin Gothic Demi" pitchFamily="34" charset="0"/>
+              </a:rPr>
+              <a:t> SELECT V</a:t>
+            </a:r>
+          </a:p>
+          <a:p>
+            <a:pPr>
+              <a:buNone/>
+            </a:pPr>
+            <a:r>
+              <a:rPr lang="en-US" sz="2800" dirty="0">
+                <a:solidFill>
+                  <a:srgbClr val="0000FF"/>
+                </a:solidFill>
+                <a:latin typeface="Franklin Gothic Demi" pitchFamily="34" charset="0"/>
+              </a:rPr>
+              <a:t> FROM ( SELECT 1 V FROM DUAL ) T </a:t>
+            </a:r>
+          </a:p>
+          <a:p>
+            <a:pPr>
+              <a:buNone/>
+            </a:pPr>
+            <a:r>
+              <a:rPr lang="en-US" sz="2800" dirty="0">
+                <a:solidFill>
+                  <a:srgbClr val="0000FF"/>
+                </a:solidFill>
+                <a:latin typeface="Franklin Gothic Demi" pitchFamily="34" charset="0"/>
+              </a:rPr>
+              <a:t>	MODEL DIMENSION BY (ROWNUM R)</a:t>
+            </a:r>
+          </a:p>
+          <a:p>
+            <a:pPr>
+              <a:buNone/>
+            </a:pPr>
+            <a:r>
+              <a:rPr lang="en-US" sz="2800" dirty="0">
+                <a:solidFill>
+                  <a:srgbClr val="0000FF"/>
+                </a:solidFill>
+                <a:latin typeface="Franklin Gothic Demi" pitchFamily="34" charset="0"/>
+              </a:rPr>
+              <a:t>      MEASURES (V)</a:t>
+            </a:r>
+          </a:p>
+          <a:p>
+            <a:pPr>
+              <a:buNone/>
+            </a:pPr>
+            <a:r>
+              <a:rPr lang="en-US" sz="2800" dirty="0">
+                <a:solidFill>
+                  <a:srgbClr val="0000FF"/>
+                </a:solidFill>
+                <a:latin typeface="Franklin Gothic Demi" pitchFamily="34" charset="0"/>
+              </a:rPr>
+              <a:t>      RULES ITERATE (100) (</a:t>
+            </a:r>
+          </a:p>
+          <a:p>
+            <a:pPr>
+              <a:buNone/>
+            </a:pPr>
+            <a:r>
+              <a:rPr lang="en-US" sz="2800" dirty="0">
+                <a:solidFill>
+                  <a:srgbClr val="0000FF"/>
+                </a:solidFill>
+                <a:latin typeface="Franklin Gothic Demi" pitchFamily="34" charset="0"/>
+              </a:rPr>
+              <a:t>        V[ITERATION_NUMBER] = CV(R) + 1</a:t>
+            </a:r>
+          </a:p>
+          <a:p>
+            <a:pPr>
+              <a:buNone/>
+            </a:pPr>
+            <a:r>
+              <a:rPr lang="en-US" sz="2800" dirty="0">
+                <a:solidFill>
+                  <a:srgbClr val="0000FF"/>
+                </a:solidFill>
+                <a:latin typeface="Franklin Gothic Demi" pitchFamily="34" charset="0"/>
+              </a:rPr>
+              <a:t>      )</a:t>
+            </a:r>
+          </a:p>
+          <a:p>
+            <a:pPr>
+              <a:buNone/>
+            </a:pPr>
+            <a:r>
+              <a:rPr lang="en-US" sz="2800" dirty="0">
+                <a:solidFill>
+                  <a:srgbClr val="0000FF"/>
+                </a:solidFill>
+                <a:latin typeface="Franklin Gothic Demi" pitchFamily="34" charset="0"/>
+              </a:rPr>
+              <a:t>ORDER BY 1</a:t>
+            </a:r>
+          </a:p>
+          <a:p>
+            <a:r>
+              <a:rPr lang="en-US" sz="2800" dirty="0">
+                <a:latin typeface="Franklin Gothic Demi" pitchFamily="34" charset="0"/>
+              </a:rPr>
+              <a:t>For more solutions and details about recursive/hierarchical queries – see next presentation</a:t>
+            </a:r>
+          </a:p>
+        </p:txBody>
+      </p:sp>
+    </p:spTree>
+    <p:extLst>
+      <p:ext uri="{BB962C8B-B14F-4D97-AF65-F5344CB8AC3E}">
+        <p14:creationId xmlns:p14="http://schemas.microsoft.com/office/powerpoint/2010/main" val="3322814524"/>
+      </p:ext>
+    </p:extLst>
+  </p:cSld>
+  <p:clrMapOvr>
+    <a:masterClrMapping/>
+  </p:clrMapOvr>
+  <p:transition>
+    <p:random/>
+  </p:transition>
+</p:sld>
+</file>
+
+<file path=ppt/slides/slide19.xml><?xml version="1.0" encoding="utf-8"?>
+<p:sld xmlns:a="http://schemas.openxmlformats.org/drawingml/2006/main" xmlns:r="http://schemas.openxmlformats.org/officeDocument/2006/relationships" xmlns:p="http://schemas.openxmlformats.org/presentationml/2006/main">
+  <p:cSld>
+    <p:spTree>
+      <p:nvGrpSpPr>
+        <p:cNvPr id="1" name=""/>
+        <p:cNvGrpSpPr/>
+        <p:nvPr/>
+      </p:nvGrpSpPr>
+      <p:grpSpPr>
+        <a:xfrm>
+          <a:off x="0" y="0"/>
+          <a:ext cx="0" cy="0"/>
+          <a:chOff x="0" y="0"/>
+          <a:chExt cx="0" cy="0"/>
+        </a:xfrm>
+      </p:grpSpPr>
+      <p:sp>
+        <p:nvSpPr>
+          <p:cNvPr id="2" name="Title 1"/>
+          <p:cNvSpPr>
+            <a:spLocks noGrp="1"/>
+          </p:cNvSpPr>
+          <p:nvPr>
+            <p:ph type="title"/>
+          </p:nvPr>
+        </p:nvSpPr>
+        <p:spPr>
+          <a:xfrm>
             <a:off x="304800" y="76200"/>
             <a:ext cx="8686800" cy="1143000"/>
           </a:xfrm>
@@ -7775,12 +8153,6 @@
             <a:r>
               <a:rPr lang="en-US" sz="2600" dirty="0"/>
               <a:t>Window functions</a:t>
-            </a:r>
-          </a:p>
-          <a:p>
-            <a:r>
-              <a:rPr lang="en-US" sz="3000" dirty="0"/>
-              <a:t>Miscelaneous functions (statistics...)</a:t>
             </a:r>
           </a:p>
         </p:txBody>
@@ -7875,7 +8247,7 @@
         </p:spPr>
         <p:txBody>
           <a:bodyPr>
-            <a:normAutofit fontScale="92500" lnSpcReduction="10000"/>
+            <a:normAutofit fontScale="85000" lnSpcReduction="20000"/>
           </a:bodyPr>
           <a:lstStyle/>
           <a:p>
@@ -8021,7 +8393,44 @@
               </a:rPr>
               <a:t>https://github.com/marinfotache/Baze-de-date-I</a:t>
             </a:r>
-            <a:endParaRPr lang="ro-RO" sz="3000" dirty="0"/>
+            <a:r>
+              <a:rPr lang="ro-RO" sz="3000" dirty="0"/>
+              <a:t> (</a:t>
+            </a:r>
+            <a:r>
+              <a:rPr lang="ro-RO" sz="3000" dirty="0" err="1"/>
+              <a:t>from</a:t>
+            </a:r>
+            <a:r>
+              <a:rPr lang="ro-RO" sz="3000" dirty="0"/>
+              <a:t> </a:t>
+            </a:r>
+            <a:r>
+              <a:rPr lang="ro-RO" sz="3000" dirty="0">
+                <a:hlinkClick r:id="rId3"/>
+              </a:rPr>
+              <a:t>https://github.com/marinfotache/Baze-de-date-I/tree/master/SQL.%20Dialecte%20DB2-%20Oracle-%20PostgreSQL%20si%20SQL%20Server</a:t>
+            </a:r>
+            <a:r>
+              <a:rPr lang="ro-RO" sz="3000" dirty="0"/>
+              <a:t> </a:t>
+            </a:r>
+            <a:r>
+              <a:rPr lang="ro-RO" sz="3000" dirty="0" err="1"/>
+              <a:t>see</a:t>
+            </a:r>
+            <a:r>
+              <a:rPr lang="ro-RO" sz="3000" dirty="0"/>
+              <a:t> </a:t>
+            </a:r>
+            <a:r>
+              <a:rPr lang="ro-RO" sz="3000" dirty="0" err="1"/>
+              <a:t>chapters</a:t>
+            </a:r>
+            <a:r>
+              <a:rPr lang="ro-RO" sz="3000" dirty="0"/>
+              <a:t> 1-12)</a:t>
+            </a:r>
           </a:p>
           <a:p>
             <a:r>
@@ -8193,6 +8602,280 @@
     <p:extLst>
       <p:ext uri="{BB962C8B-B14F-4D97-AF65-F5344CB8AC3E}">
         <p14:creationId xmlns:p14="http://schemas.microsoft.com/office/powerpoint/2010/main" val="1336285302"/>
+      </p:ext>
+    </p:extLst>
+  </p:cSld>
+  <p:clrMapOvr>
+    <a:masterClrMapping/>
+  </p:clrMapOvr>
+  <p:transition>
+    <p:random/>
+  </p:transition>
+</p:sld>
+</file>
+
+<file path=ppt/slides/slide20.xml><?xml version="1.0" encoding="utf-8"?>
+<p:sld xmlns:a="http://schemas.openxmlformats.org/drawingml/2006/main" xmlns:r="http://schemas.openxmlformats.org/officeDocument/2006/relationships" xmlns:p="http://schemas.openxmlformats.org/presentationml/2006/main">
+  <p:cSld>
+    <p:spTree>
+      <p:nvGrpSpPr>
+        <p:cNvPr id="1" name=""/>
+        <p:cNvGrpSpPr/>
+        <p:nvPr/>
+      </p:nvGrpSpPr>
+      <p:grpSpPr>
+        <a:xfrm>
+          <a:off x="0" y="0"/>
+          <a:ext cx="0" cy="0"/>
+          <a:chOff x="0" y="0"/>
+          <a:chExt cx="0" cy="0"/>
+        </a:xfrm>
+      </p:grpSpPr>
+      <p:sp>
+        <p:nvSpPr>
+          <p:cNvPr id="2" name="Title 1"/>
+          <p:cNvSpPr>
+            <a:spLocks noGrp="1"/>
+          </p:cNvSpPr>
+          <p:nvPr>
+            <p:ph type="title"/>
+          </p:nvPr>
+        </p:nvSpPr>
+        <p:spPr>
+          <a:xfrm>
+            <a:off x="304800" y="76200"/>
+            <a:ext cx="8686800" cy="1143000"/>
+          </a:xfrm>
+        </p:spPr>
+        <p:txBody>
+          <a:bodyPr anchor="ctr">
+            <a:normAutofit/>
+          </a:bodyPr>
+          <a:lstStyle/>
+          <a:p>
+            <a:pPr algn="ctr"/>
+            <a:r>
+              <a:rPr lang="en-US" sz="3600" b="1" dirty="0">
+                <a:latin typeface="Arial Unicode MS" panose="020B0604020202020204" pitchFamily="34" charset="-128"/>
+                <a:ea typeface="Arial Unicode MS" panose="020B0604020202020204" pitchFamily="34" charset="-128"/>
+                <a:cs typeface="Arial Unicode MS" panose="020B0604020202020204" pitchFamily="34" charset="-128"/>
+              </a:rPr>
+              <a:t>PIVOT/UNPIVOT in Oracle SQL</a:t>
+            </a:r>
+          </a:p>
+        </p:txBody>
+      </p:sp>
+      <p:sp>
+        <p:nvSpPr>
+          <p:cNvPr id="3" name="Text Placeholder 2"/>
+          <p:cNvSpPr>
+            <a:spLocks noGrp="1"/>
+          </p:cNvSpPr>
+          <p:nvPr>
+            <p:ph type="body" sz="half" idx="1"/>
+          </p:nvPr>
+        </p:nvSpPr>
+        <p:spPr>
+          <a:xfrm>
+            <a:off x="631874" y="1219200"/>
+            <a:ext cx="8534400" cy="5638800"/>
+          </a:xfrm>
+        </p:spPr>
+        <p:txBody>
+          <a:bodyPr>
+            <a:normAutofit fontScale="77500" lnSpcReduction="20000"/>
+          </a:bodyPr>
+          <a:lstStyle/>
+          <a:p>
+            <a:r>
+              <a:rPr lang="en-US" sz="3000" dirty="0">
+                <a:latin typeface="Avenir Medium" panose="02000503020000020003" pitchFamily="2" charset="0"/>
+              </a:rPr>
+              <a:t>PIVOT and UNPIVOT Operators in Oracle Database 11g Release 1</a:t>
+            </a:r>
+          </a:p>
+          <a:p>
+            <a:pPr marL="402336" lvl="1" indent="0">
+              <a:buNone/>
+            </a:pPr>
+            <a:r>
+              <a:rPr lang="en-US" sz="2600" dirty="0">
+                <a:latin typeface="Avenir Medium" panose="02000503020000020003" pitchFamily="2" charset="0"/>
+                <a:hlinkClick r:id="rId2"/>
+              </a:rPr>
+              <a:t>https://oracle-base.com/articles/11g/pivot-and-unpivot-operators-11gr1</a:t>
+            </a:r>
+            <a:endParaRPr lang="en-US" sz="2600" dirty="0">
+              <a:latin typeface="Avenir Medium" panose="02000503020000020003" pitchFamily="2" charset="0"/>
+            </a:endParaRPr>
+          </a:p>
+          <a:p>
+            <a:r>
+              <a:rPr lang="en-US" sz="3000" dirty="0">
+                <a:latin typeface="Avenir Medium" panose="02000503020000020003" pitchFamily="2" charset="0"/>
+              </a:rPr>
+              <a:t>How to Convert Rows to Columns and Back Again with SQL (Aka PIVOT and UNPIVOT)</a:t>
+            </a:r>
+          </a:p>
+          <a:p>
+            <a:pPr marL="402336" lvl="1" indent="0">
+              <a:buNone/>
+            </a:pPr>
+            <a:r>
+              <a:rPr lang="en-US" sz="2600" dirty="0">
+                <a:latin typeface="Avenir Medium" panose="02000503020000020003" pitchFamily="2" charset="0"/>
+                <a:hlinkClick r:id="rId3"/>
+              </a:rPr>
+              <a:t>https://blogs.oracle.com/sql/how-to-convert-rows-to-columns-and-back-again-with-sql-aka-pivot-and-unpivot</a:t>
+            </a:r>
+            <a:endParaRPr lang="en-US" sz="2600" dirty="0">
+              <a:latin typeface="Avenir Medium" panose="02000503020000020003" pitchFamily="2" charset="0"/>
+            </a:endParaRPr>
+          </a:p>
+          <a:p>
+            <a:r>
+              <a:rPr lang="en-US" sz="3000" dirty="0">
+                <a:latin typeface="Avenir Medium" panose="02000503020000020003" pitchFamily="2" charset="0"/>
+              </a:rPr>
+              <a:t>Oracle Database 11g: The Top Features for DBAs and Developers</a:t>
+            </a:r>
+          </a:p>
+          <a:p>
+            <a:pPr marL="402336" lvl="1" indent="0">
+              <a:buNone/>
+            </a:pPr>
+            <a:r>
+              <a:rPr lang="en-US" sz="2200" dirty="0">
+                <a:latin typeface="Avenir Medium" panose="02000503020000020003" pitchFamily="2" charset="0"/>
+                <a:hlinkClick r:id="rId4"/>
+              </a:rPr>
+              <a:t>https://www.oracle.com/technetwork/articles/sql/11g-pivot-097235.html</a:t>
+            </a:r>
+            <a:endParaRPr lang="en-US" sz="2200" dirty="0">
+              <a:latin typeface="Avenir Medium" panose="02000503020000020003" pitchFamily="2" charset="0"/>
+            </a:endParaRPr>
+          </a:p>
+          <a:p>
+            <a:r>
+              <a:rPr lang="en-US" sz="3000" dirty="0">
+                <a:latin typeface="Avenir Medium" panose="02000503020000020003" pitchFamily="2" charset="0"/>
+              </a:rPr>
+              <a:t>How to use the Oracle SQL PIVOT Clause</a:t>
+            </a:r>
+          </a:p>
+          <a:p>
+            <a:pPr marL="402336" lvl="1" indent="0">
+              <a:buNone/>
+            </a:pPr>
+            <a:r>
+              <a:rPr lang="en-US" sz="2200" dirty="0">
+                <a:latin typeface="Avenir Medium" panose="02000503020000020003" pitchFamily="2" charset="0"/>
+                <a:hlinkClick r:id="rId5"/>
+              </a:rPr>
+              <a:t>https://www.youtube.com/watch?v=brkxkXbwtnc</a:t>
+            </a:r>
+            <a:endParaRPr lang="en-US" sz="2200" dirty="0">
+              <a:latin typeface="Avenir Medium" panose="02000503020000020003" pitchFamily="2" charset="0"/>
+            </a:endParaRPr>
+          </a:p>
+          <a:p>
+            <a:r>
+              <a:rPr lang="en-US" sz="3000" dirty="0">
+                <a:latin typeface="Avenir Medium" panose="02000503020000020003" pitchFamily="2" charset="0"/>
+              </a:rPr>
+              <a:t>pivot and unpivot queries in 11g</a:t>
+            </a:r>
+          </a:p>
+          <a:p>
+            <a:pPr marL="402336" lvl="1" indent="0">
+              <a:buNone/>
+            </a:pPr>
+            <a:r>
+              <a:rPr lang="en-US" sz="2200" dirty="0">
+                <a:latin typeface="Avenir Medium" panose="02000503020000020003" pitchFamily="2" charset="0"/>
+                <a:hlinkClick r:id="rId6"/>
+              </a:rPr>
+              <a:t>http://www.oracle-developer.net/display.php?id=506</a:t>
+            </a:r>
+            <a:endParaRPr lang="en-US" sz="2200" dirty="0">
+              <a:latin typeface="Avenir Medium" panose="02000503020000020003" pitchFamily="2" charset="0"/>
+            </a:endParaRPr>
+          </a:p>
+          <a:p>
+            <a:r>
+              <a:rPr lang="en-US" sz="3000" dirty="0">
+                <a:latin typeface="Avenir Medium" panose="02000503020000020003" pitchFamily="2" charset="0"/>
+              </a:rPr>
+              <a:t>The awesome Pivot and Unpivot Features in Oracle SQL</a:t>
+            </a:r>
+          </a:p>
+          <a:p>
+            <a:pPr marL="402336" lvl="1" indent="0">
+              <a:buNone/>
+            </a:pPr>
+            <a:r>
+              <a:rPr lang="en-US" sz="2200" dirty="0">
+                <a:latin typeface="Avenir Medium" panose="02000503020000020003" pitchFamily="2" charset="0"/>
+                <a:hlinkClick r:id="rId7"/>
+              </a:rPr>
+              <a:t>http://sql.standout-dev.com/2016/06/the-pivot-and-unpivot-features-on-oracle-sql/</a:t>
+            </a:r>
+            <a:endParaRPr lang="en-US" sz="2200" dirty="0">
+              <a:latin typeface="Avenir Medium" panose="02000503020000020003" pitchFamily="2" charset="0"/>
+            </a:endParaRPr>
+          </a:p>
+          <a:p>
+            <a:pPr marL="402336" lvl="1" indent="0">
+              <a:buNone/>
+            </a:pPr>
+            <a:endParaRPr lang="en-US" sz="2200" dirty="0">
+              <a:latin typeface="Avenir Medium" panose="02000503020000020003" pitchFamily="2" charset="0"/>
+            </a:endParaRPr>
+          </a:p>
+          <a:p>
+            <a:pPr marL="402336" lvl="1" indent="0">
+              <a:buNone/>
+            </a:pPr>
+            <a:endParaRPr lang="en-US" sz="2200" dirty="0">
+              <a:latin typeface="Avenir Medium" panose="02000503020000020003" pitchFamily="2" charset="0"/>
+            </a:endParaRPr>
+          </a:p>
+          <a:p>
+            <a:pPr lvl="1"/>
+            <a:endParaRPr lang="en-US" sz="2200" dirty="0">
+              <a:latin typeface="Avenir Medium" panose="02000503020000020003" pitchFamily="2" charset="0"/>
+            </a:endParaRPr>
+          </a:p>
+          <a:p>
+            <a:pPr lvl="1"/>
+            <a:endParaRPr lang="en-US" sz="2200" dirty="0">
+              <a:latin typeface="Avenir Medium" panose="02000503020000020003" pitchFamily="2" charset="0"/>
+            </a:endParaRPr>
+          </a:p>
+          <a:p>
+            <a:pPr lvl="1"/>
+            <a:endParaRPr lang="en-US" sz="2600" dirty="0">
+              <a:latin typeface="Avenir Medium" panose="02000503020000020003" pitchFamily="2" charset="0"/>
+            </a:endParaRPr>
+          </a:p>
+          <a:p>
+            <a:pPr lvl="1"/>
+            <a:endParaRPr lang="en-US" sz="2600" dirty="0">
+              <a:latin typeface="Avenir Medium" panose="02000503020000020003" pitchFamily="2" charset="0"/>
+            </a:endParaRPr>
+          </a:p>
+          <a:p>
+            <a:pPr lvl="1"/>
+            <a:endParaRPr lang="en-US" sz="2600" dirty="0">
+              <a:latin typeface="Avenir Medium" panose="02000503020000020003" pitchFamily="2" charset="0"/>
+            </a:endParaRPr>
+          </a:p>
+        </p:txBody>
+      </p:sp>
+    </p:spTree>
+    <p:extLst>
+      <p:ext uri="{BB962C8B-B14F-4D97-AF65-F5344CB8AC3E}">
+        <p14:creationId xmlns:p14="http://schemas.microsoft.com/office/powerpoint/2010/main" val="2562796889"/>
       </p:ext>
     </p:extLst>
   </p:cSld>
@@ -9524,7 +10207,7 @@
         </p:spPr>
         <p:txBody>
           <a:bodyPr anchor="ctr">
-            <a:normAutofit/>
+            <a:normAutofit fontScale="90000"/>
           </a:bodyPr>
           <a:lstStyle/>
           <a:p>
@@ -9535,23 +10218,7 @@
                 <a:ea typeface="Arial Unicode MS" panose="020B0604020202020204" pitchFamily="34" charset="-128"/>
                 <a:cs typeface="Arial Unicode MS" panose="020B0604020202020204" pitchFamily="34" charset="-128"/>
               </a:rPr>
-              <a:t>SQL recap (see </a:t>
-            </a:r>
-            <a:r>
-              <a:rPr lang="en-US" sz="3600" b="1" i="1" dirty="0">
-                <a:latin typeface="Arial Unicode MS" panose="020B0604020202020204" pitchFamily="34" charset="-128"/>
-                <a:ea typeface="Arial Unicode MS" panose="020B0604020202020204" pitchFamily="34" charset="-128"/>
-                <a:cs typeface="Arial Unicode MS" panose="020B0604020202020204" pitchFamily="34" charset="-128"/>
-              </a:rPr>
-              <a:t>Baze de date</a:t>
-            </a:r>
-            <a:r>
-              <a:rPr lang="en-US" sz="3600" b="1" dirty="0">
-                <a:latin typeface="Arial Unicode MS" panose="020B0604020202020204" pitchFamily="34" charset="-128"/>
-                <a:ea typeface="Arial Unicode MS" panose="020B0604020202020204" pitchFamily="34" charset="-128"/>
-                <a:cs typeface="Arial Unicode MS" panose="020B0604020202020204" pitchFamily="34" charset="-128"/>
-              </a:rPr>
-              <a:t> page)</a:t>
+              <a:t>Main text (in Romanian) on Oracle DB Server and Oracle SQL</a:t>
             </a:r>
           </a:p>
         </p:txBody>
@@ -9574,76 +10241,154 @@
         </p:spPr>
         <p:txBody>
           <a:bodyPr>
-            <a:normAutofit/>
+            <a:normAutofit fontScale="47500" lnSpcReduction="20000"/>
           </a:bodyPr>
           <a:lstStyle/>
           <a:p>
             <a:r>
-              <a:rPr lang="en-US" sz="3000" dirty="0"/>
-              <a:t>Database concepts</a:t>
-            </a:r>
-          </a:p>
-          <a:p>
-            <a:pPr lvl="1"/>
-            <a:r>
-              <a:rPr lang="en-US" sz="2600" dirty="0"/>
-              <a:t>Structure</a:t>
-            </a:r>
-          </a:p>
-          <a:p>
-            <a:pPr lvl="1"/>
-            <a:r>
-              <a:rPr lang="en-US" sz="2600" dirty="0"/>
-              <a:t>Constraints</a:t>
-            </a:r>
-          </a:p>
-          <a:p>
-            <a:pPr lvl="1"/>
-            <a:r>
-              <a:rPr lang="en-US" sz="2600" dirty="0"/>
-              <a:t>Manipulation</a:t>
-            </a:r>
-          </a:p>
-          <a:p>
-            <a:r>
-              <a:rPr lang="en-US" sz="3400" dirty="0"/>
-              <a:t>SQL</a:t>
-            </a:r>
-          </a:p>
-          <a:p>
-            <a:pPr lvl="1"/>
-            <a:r>
-              <a:rPr lang="en-US" sz="3000" dirty="0"/>
-              <a:t>DDL (Data Definition Language)</a:t>
-            </a:r>
-          </a:p>
-          <a:p>
-            <a:pPr lvl="2"/>
-            <a:r>
-              <a:rPr lang="en-US" sz="2600" dirty="0"/>
-              <a:t>{ CREATE | ALTER | DROP } TABLE </a:t>
-            </a:r>
-          </a:p>
-          <a:p>
-            <a:pPr lvl="1"/>
-            <a:r>
-              <a:rPr lang="en-US" sz="3000" dirty="0"/>
-              <a:t>DML</a:t>
-            </a:r>
-          </a:p>
-          <a:p>
-            <a:pPr lvl="1"/>
-            <a:r>
-              <a:rPr lang="en-US" sz="3000" dirty="0"/>
-              <a:t>INSERT, UPDATE, DELETE</a:t>
-            </a:r>
-          </a:p>
-          <a:p>
-            <a:pPr lvl="1"/>
-            <a:r>
-              <a:rPr lang="en-US" sz="3000" dirty="0"/>
-              <a:t>SELECT</a:t>
-            </a:r>
+              <a:rPr lang="en-US" sz="3000" dirty="0">
+                <a:latin typeface="Avenir Medium" panose="02000503020000020003" pitchFamily="2" charset="0"/>
+                <a:hlinkClick r:id="rId2"/>
+              </a:rPr>
+              <a:t>https://github.com/marinfotache/Baze-de-date-I/blob/master/SQL.%20Dialecte%20DB2-%20Oracle-%20PostgreSQL%20si%20SQL%20Server/SQL2009_Cap01_Baze_de_date_SGBD.pdf</a:t>
+            </a:r>
+            <a:endParaRPr lang="en-US" sz="3000" dirty="0">
+              <a:latin typeface="Avenir Medium" panose="02000503020000020003" pitchFamily="2" charset="0"/>
+            </a:endParaRPr>
+          </a:p>
+          <a:p>
+            <a:r>
+              <a:rPr lang="en-US" sz="3000" dirty="0">
+                <a:latin typeface="Avenir Medium" panose="02000503020000020003" pitchFamily="2" charset="0"/>
+                <a:hlinkClick r:id="rId3"/>
+              </a:rPr>
+              <a:t>https://github.com/marinfotache/Baze-de-date-I/blob/master/SQL.%20Dialecte%20DB2-%20Oracle-%20PostgreSQL%20si%20SQL%20Server/SQL2009_Cap02_Modelul_relational.pdf</a:t>
+            </a:r>
+            <a:endParaRPr lang="en-US" sz="3000" dirty="0">
+              <a:latin typeface="Avenir Medium" panose="02000503020000020003" pitchFamily="2" charset="0"/>
+            </a:endParaRPr>
+          </a:p>
+          <a:p>
+            <a:r>
+              <a:rPr lang="en-US" sz="3000" dirty="0">
+                <a:latin typeface="Avenir Medium" panose="02000503020000020003" pitchFamily="2" charset="0"/>
+              </a:rPr>
+              <a:t>(optional) </a:t>
+            </a:r>
+            <a:r>
+              <a:rPr lang="en-US" sz="3000" dirty="0">
+                <a:latin typeface="Avenir Medium" panose="02000503020000020003" pitchFamily="2" charset="0"/>
+                <a:hlinkClick r:id="rId4"/>
+              </a:rPr>
+              <a:t>https://github.com/marinfotache/Database-Logic-in-Business-Applications/blob/master/Oracle%209i2.%20Ghidul%20dezvoltarii%20aplicatiilor%202003/Cap02_ServerulOracle/Oracle_Cap02_ServerulBD.pdf</a:t>
+            </a:r>
+            <a:endParaRPr lang="en-US" sz="3000" dirty="0">
+              <a:latin typeface="Avenir Medium" panose="02000503020000020003" pitchFamily="2" charset="0"/>
+            </a:endParaRPr>
+          </a:p>
+          <a:p>
+            <a:r>
+              <a:rPr lang="en-US" sz="3000" dirty="0">
+                <a:latin typeface="Avenir Medium" panose="02000503020000020003" pitchFamily="2" charset="0"/>
+                <a:hlinkClick r:id="rId5"/>
+              </a:rPr>
+              <a:t>https://github.com/marinfotache/Baze-de-date-I/blob/master/SQL.%20Dialecte%20DB2-%20Oracle-%20PostgreSQL%20si%20SQL%20Server/SQL2009_Cap03_StandardeSQL_Tipuri_de_date_Crearea_tabelelor.pdf</a:t>
+            </a:r>
+            <a:r>
+              <a:rPr lang="en-US" sz="3000" dirty="0">
+                <a:latin typeface="Avenir Medium" panose="02000503020000020003" pitchFamily="2" charset="0"/>
+              </a:rPr>
+              <a:t> (sections 3.2, 3.3.1-3.3.8, 3.3.10, 3.4.1-3.4.3, 3.4.5, 3.5)</a:t>
+            </a:r>
+          </a:p>
+          <a:p>
+            <a:r>
+              <a:rPr lang="en-US" sz="3000" dirty="0">
+                <a:latin typeface="Avenir Medium" panose="02000503020000020003" pitchFamily="2" charset="0"/>
+                <a:hlinkClick r:id="rId6"/>
+              </a:rPr>
+              <a:t>https://github.com/marinfotache/Database-Logic-in-Business-Applications/blob/master/Oracle%209i2.%20Ghidul%20dezvoltarii%20aplicatiilor%202003/Cap04_Creare_tabele/Oracle_Cap04_Tabele_restrictii.pdf</a:t>
+            </a:r>
+            <a:endParaRPr lang="en-US" sz="3000" dirty="0">
+              <a:latin typeface="Avenir Medium" panose="02000503020000020003" pitchFamily="2" charset="0"/>
+            </a:endParaRPr>
+          </a:p>
+          <a:p>
+            <a:r>
+              <a:rPr lang="en-US" sz="3000" dirty="0">
+                <a:latin typeface="Avenir Medium" panose="02000503020000020003" pitchFamily="2" charset="0"/>
+                <a:hlinkClick r:id="rId7"/>
+              </a:rPr>
+              <a:t>https://github.com/marinfotache/Database-Logic-in-Business-Applications/blob/master/Oracle%209i2.%20Ghidul%20dezvoltarii%20aplicatiilor%202003/Cap05_Actualizare/Oracle_Cap05_Actualizare.pdf</a:t>
+            </a:r>
+            <a:endParaRPr lang="en-US" sz="3000" dirty="0">
+              <a:latin typeface="Avenir Medium" panose="02000503020000020003" pitchFamily="2" charset="0"/>
+            </a:endParaRPr>
+          </a:p>
+          <a:p>
+            <a:r>
+              <a:rPr lang="en-US" sz="3000" dirty="0">
+                <a:latin typeface="Avenir Medium" panose="02000503020000020003" pitchFamily="2" charset="0"/>
+                <a:hlinkClick r:id="rId8"/>
+              </a:rPr>
+              <a:t>https://github.com/marinfotache/Baze-de-date-I/blob/master/SQL.%20Dialecte%20DB2-%20Oracle-%20PostgreSQL%20si%20SQL%20Server/SQL2009_Cap04_Limbaje_de_interogare_Algebra_relationala.pdf</a:t>
+            </a:r>
+            <a:r>
+              <a:rPr lang="en-US" sz="3000" dirty="0">
+                <a:latin typeface="Avenir Medium" panose="02000503020000020003" pitchFamily="2" charset="0"/>
+              </a:rPr>
+              <a:t> (sections 4.2-4.4)</a:t>
+            </a:r>
+          </a:p>
+          <a:p>
+            <a:r>
+              <a:rPr lang="en-US" sz="3000" dirty="0">
+                <a:latin typeface="Avenir Medium" panose="02000503020000020003" pitchFamily="2" charset="0"/>
+                <a:hlinkClick r:id="rId9"/>
+              </a:rPr>
+              <a:t>https://github.com/marinfotache/Database-Logic-in-Business-Applications/blob/master/Oracle%209i2.%20Ghidul%20dezvoltarii%20aplicatiilor%202003/Cap06_SQL1/Oracle_Cap06_SQL1.pdf</a:t>
+            </a:r>
+          </a:p>
+          <a:p>
+            <a:r>
+              <a:rPr lang="en-US" sz="3000" dirty="0">
+                <a:latin typeface="Avenir Medium" panose="02000503020000020003" pitchFamily="2" charset="0"/>
+                <a:hlinkClick r:id="rId10"/>
+              </a:rPr>
+              <a:t>https://github.com/marinfotache/Baze-de-date-I/blob/master/SQL.%20Dialecte%20DB2-%20Oracle-%20PostgreSQL%20si%20SQL%20Server/SQL2009_Cap06_SELECT(2)_Functii.pdf</a:t>
+            </a:r>
+            <a:r>
+              <a:rPr lang="en-US" sz="3000" dirty="0">
+                <a:latin typeface="Avenir Medium" panose="02000503020000020003" pitchFamily="2" charset="0"/>
+              </a:rPr>
+              <a:t> </a:t>
+            </a:r>
+          </a:p>
+          <a:p>
+            <a:r>
+              <a:rPr lang="en-US" sz="3000" dirty="0">
+                <a:latin typeface="Avenir Medium" panose="02000503020000020003" pitchFamily="2" charset="0"/>
+                <a:hlinkClick r:id="rId11"/>
+              </a:rPr>
+              <a:t>https://github.com/marinfotache/Baze-de-date-I/blob/master/SQL.%20Dialecte%20DB2-%20Oracle-%20PostgreSQL%20si%20SQL%20Server/SQL2009_Cap07_SELECT(3)_Grupari.pdf</a:t>
+            </a:r>
+            <a:endParaRPr lang="en-US" sz="3000" dirty="0">
+              <a:latin typeface="Avenir Medium" panose="02000503020000020003" pitchFamily="2" charset="0"/>
+            </a:endParaRPr>
+          </a:p>
+          <a:p>
+            <a:endParaRPr lang="en-US" sz="3000" dirty="0">
+              <a:latin typeface="Avenir Medium" panose="02000503020000020003" pitchFamily="2" charset="0"/>
+            </a:endParaRPr>
+          </a:p>
+          <a:p>
+            <a:endParaRPr lang="en-US" sz="3000" dirty="0"/>
+          </a:p>
+          <a:p>
+            <a:endParaRPr lang="en-US" sz="3000" dirty="0"/>
+          </a:p>
+          <a:p>
+            <a:endParaRPr lang="en-US" sz="3000" dirty="0"/>
           </a:p>
         </p:txBody>
       </p:sp>
